--- a/infographic/archive/blood_donation_2024-01-28.pptx
+++ b/infographic/archive/blood_donation_2024-01-28.pptx
@@ -5,10 +5,13 @@
     <p:sldMasterId id="2147483720" r:id="rId1"/>
   </p:sldMasterIdLst>
   <p:notesMasterIdLst>
-    <p:notesMasterId r:id="rId3"/>
+    <p:notesMasterId r:id="rId6"/>
   </p:notesMasterIdLst>
   <p:sldIdLst>
-    <p:sldId id="256" r:id="rId2"/>
+    <p:sldId id="257" r:id="rId2"/>
+    <p:sldId id="258" r:id="rId3"/>
+    <p:sldId id="259" r:id="rId4"/>
+    <p:sldId id="260" r:id="rId5"/>
   </p:sldIdLst>
   <p:sldSz cx="30275213" cy="32399288"/>
   <p:notesSz cx="6858000" cy="9144000"/>
@@ -211,7 +214,7 @@
           <a:p>
             <a:fld id="{1DE40755-8679-4EBC-9EFA-4F99D54FDAB0}" type="datetimeFigureOut">
               <a:rPr lang="en-MY" smtClean="0"/>
-              <a:t>29/1/2024</a:t>
+              <a:t>30/1/2024</a:t>
             </a:fld>
             <a:endParaRPr lang="en-MY"/>
           </a:p>
@@ -574,7 +577,274 @@
     </p:spTree>
     <p:extLst>
       <p:ext uri="{BB962C8B-B14F-4D97-AF65-F5344CB8AC3E}">
-        <p14:creationId xmlns:p14="http://schemas.microsoft.com/office/powerpoint/2010/main" val="3219130387"/>
+        <p14:creationId xmlns:p14="http://schemas.microsoft.com/office/powerpoint/2010/main" val="1646125996"/>
+      </p:ext>
+    </p:extLst>
+  </p:cSld>
+  <p:clrMapOvr>
+    <a:masterClrMapping/>
+  </p:clrMapOvr>
+</p:notes>
+</file>
+
+<file path=ppt/notesSlides/notesSlide2.xml><?xml version="1.0" encoding="utf-8"?>
+<p:notes xmlns:a="http://schemas.openxmlformats.org/drawingml/2006/main" xmlns:r="http://schemas.openxmlformats.org/officeDocument/2006/relationships" xmlns:p="http://schemas.openxmlformats.org/presentationml/2006/main">
+  <p:cSld>
+    <p:spTree>
+      <p:nvGrpSpPr>
+        <p:cNvPr id="1" name=""/>
+        <p:cNvGrpSpPr/>
+        <p:nvPr/>
+      </p:nvGrpSpPr>
+      <p:grpSpPr>
+        <a:xfrm>
+          <a:off x="0" y="0"/>
+          <a:ext cx="0" cy="0"/>
+          <a:chOff x="0" y="0"/>
+          <a:chExt cx="0" cy="0"/>
+        </a:xfrm>
+      </p:grpSpPr>
+      <p:sp>
+        <p:nvSpPr>
+          <p:cNvPr id="2" name="Slide Image Placeholder 1"/>
+          <p:cNvSpPr>
+            <a:spLocks noGrp="1" noRot="1" noChangeAspect="1"/>
+          </p:cNvSpPr>
+          <p:nvPr>
+            <p:ph type="sldImg"/>
+          </p:nvPr>
+        </p:nvSpPr>
+        <p:spPr>
+          <a:xfrm>
+            <a:off x="1987550" y="1143000"/>
+            <a:ext cx="2882900" cy="3086100"/>
+          </a:xfrm>
+        </p:spPr>
+      </p:sp>
+      <p:sp>
+        <p:nvSpPr>
+          <p:cNvPr id="3" name="Notes Placeholder 2"/>
+          <p:cNvSpPr>
+            <a:spLocks noGrp="1"/>
+          </p:cNvSpPr>
+          <p:nvPr>
+            <p:ph type="body" idx="1"/>
+          </p:nvPr>
+        </p:nvSpPr>
+        <p:spPr/>
+        <p:txBody>
+          <a:bodyPr/>
+          <a:lstStyle/>
+          <a:p>
+            <a:endParaRPr lang="en-MY" dirty="0"/>
+          </a:p>
+        </p:txBody>
+      </p:sp>
+      <p:sp>
+        <p:nvSpPr>
+          <p:cNvPr id="4" name="Slide Number Placeholder 3"/>
+          <p:cNvSpPr>
+            <a:spLocks noGrp="1"/>
+          </p:cNvSpPr>
+          <p:nvPr>
+            <p:ph type="sldNum" sz="quarter" idx="5"/>
+          </p:nvPr>
+        </p:nvSpPr>
+        <p:spPr/>
+        <p:txBody>
+          <a:bodyPr/>
+          <a:lstStyle/>
+          <a:p>
+            <a:fld id="{9F67F347-F259-4000-9D8F-193820691C71}" type="slidenum">
+              <a:rPr lang="en-MY" smtClean="0"/>
+              <a:t>2</a:t>
+            </a:fld>
+            <a:endParaRPr lang="en-MY"/>
+          </a:p>
+        </p:txBody>
+      </p:sp>
+    </p:spTree>
+    <p:extLst>
+      <p:ext uri="{BB962C8B-B14F-4D97-AF65-F5344CB8AC3E}">
+        <p14:creationId xmlns:p14="http://schemas.microsoft.com/office/powerpoint/2010/main" val="1239439067"/>
+      </p:ext>
+    </p:extLst>
+  </p:cSld>
+  <p:clrMapOvr>
+    <a:masterClrMapping/>
+  </p:clrMapOvr>
+</p:notes>
+</file>
+
+<file path=ppt/notesSlides/notesSlide3.xml><?xml version="1.0" encoding="utf-8"?>
+<p:notes xmlns:a="http://schemas.openxmlformats.org/drawingml/2006/main" xmlns:r="http://schemas.openxmlformats.org/officeDocument/2006/relationships" xmlns:p="http://schemas.openxmlformats.org/presentationml/2006/main">
+  <p:cSld>
+    <p:spTree>
+      <p:nvGrpSpPr>
+        <p:cNvPr id="1" name=""/>
+        <p:cNvGrpSpPr/>
+        <p:nvPr/>
+      </p:nvGrpSpPr>
+      <p:grpSpPr>
+        <a:xfrm>
+          <a:off x="0" y="0"/>
+          <a:ext cx="0" cy="0"/>
+          <a:chOff x="0" y="0"/>
+          <a:chExt cx="0" cy="0"/>
+        </a:xfrm>
+      </p:grpSpPr>
+      <p:sp>
+        <p:nvSpPr>
+          <p:cNvPr id="2" name="Slide Image Placeholder 1"/>
+          <p:cNvSpPr>
+            <a:spLocks noGrp="1" noRot="1" noChangeAspect="1"/>
+          </p:cNvSpPr>
+          <p:nvPr>
+            <p:ph type="sldImg"/>
+          </p:nvPr>
+        </p:nvSpPr>
+        <p:spPr>
+          <a:xfrm>
+            <a:off x="1987550" y="1143000"/>
+            <a:ext cx="2882900" cy="3086100"/>
+          </a:xfrm>
+        </p:spPr>
+      </p:sp>
+      <p:sp>
+        <p:nvSpPr>
+          <p:cNvPr id="3" name="Notes Placeholder 2"/>
+          <p:cNvSpPr>
+            <a:spLocks noGrp="1"/>
+          </p:cNvSpPr>
+          <p:nvPr>
+            <p:ph type="body" idx="1"/>
+          </p:nvPr>
+        </p:nvSpPr>
+        <p:spPr/>
+        <p:txBody>
+          <a:bodyPr/>
+          <a:lstStyle/>
+          <a:p>
+            <a:endParaRPr lang="en-MY" dirty="0"/>
+          </a:p>
+        </p:txBody>
+      </p:sp>
+      <p:sp>
+        <p:nvSpPr>
+          <p:cNvPr id="4" name="Slide Number Placeholder 3"/>
+          <p:cNvSpPr>
+            <a:spLocks noGrp="1"/>
+          </p:cNvSpPr>
+          <p:nvPr>
+            <p:ph type="sldNum" sz="quarter" idx="5"/>
+          </p:nvPr>
+        </p:nvSpPr>
+        <p:spPr/>
+        <p:txBody>
+          <a:bodyPr/>
+          <a:lstStyle/>
+          <a:p>
+            <a:fld id="{9F67F347-F259-4000-9D8F-193820691C71}" type="slidenum">
+              <a:rPr lang="en-MY" smtClean="0"/>
+              <a:t>3</a:t>
+            </a:fld>
+            <a:endParaRPr lang="en-MY"/>
+          </a:p>
+        </p:txBody>
+      </p:sp>
+    </p:spTree>
+    <p:extLst>
+      <p:ext uri="{BB962C8B-B14F-4D97-AF65-F5344CB8AC3E}">
+        <p14:creationId xmlns:p14="http://schemas.microsoft.com/office/powerpoint/2010/main" val="3953320838"/>
+      </p:ext>
+    </p:extLst>
+  </p:cSld>
+  <p:clrMapOvr>
+    <a:masterClrMapping/>
+  </p:clrMapOvr>
+</p:notes>
+</file>
+
+<file path=ppt/notesSlides/notesSlide4.xml><?xml version="1.0" encoding="utf-8"?>
+<p:notes xmlns:a="http://schemas.openxmlformats.org/drawingml/2006/main" xmlns:r="http://schemas.openxmlformats.org/officeDocument/2006/relationships" xmlns:p="http://schemas.openxmlformats.org/presentationml/2006/main">
+  <p:cSld>
+    <p:spTree>
+      <p:nvGrpSpPr>
+        <p:cNvPr id="1" name=""/>
+        <p:cNvGrpSpPr/>
+        <p:nvPr/>
+      </p:nvGrpSpPr>
+      <p:grpSpPr>
+        <a:xfrm>
+          <a:off x="0" y="0"/>
+          <a:ext cx="0" cy="0"/>
+          <a:chOff x="0" y="0"/>
+          <a:chExt cx="0" cy="0"/>
+        </a:xfrm>
+      </p:grpSpPr>
+      <p:sp>
+        <p:nvSpPr>
+          <p:cNvPr id="2" name="Slide Image Placeholder 1"/>
+          <p:cNvSpPr>
+            <a:spLocks noGrp="1" noRot="1" noChangeAspect="1"/>
+          </p:cNvSpPr>
+          <p:nvPr>
+            <p:ph type="sldImg"/>
+          </p:nvPr>
+        </p:nvSpPr>
+        <p:spPr>
+          <a:xfrm>
+            <a:off x="1987550" y="1143000"/>
+            <a:ext cx="2882900" cy="3086100"/>
+          </a:xfrm>
+        </p:spPr>
+      </p:sp>
+      <p:sp>
+        <p:nvSpPr>
+          <p:cNvPr id="3" name="Notes Placeholder 2"/>
+          <p:cNvSpPr>
+            <a:spLocks noGrp="1"/>
+          </p:cNvSpPr>
+          <p:nvPr>
+            <p:ph type="body" idx="1"/>
+          </p:nvPr>
+        </p:nvSpPr>
+        <p:spPr/>
+        <p:txBody>
+          <a:bodyPr/>
+          <a:lstStyle/>
+          <a:p>
+            <a:endParaRPr lang="en-MY" dirty="0"/>
+          </a:p>
+        </p:txBody>
+      </p:sp>
+      <p:sp>
+        <p:nvSpPr>
+          <p:cNvPr id="4" name="Slide Number Placeholder 3"/>
+          <p:cNvSpPr>
+            <a:spLocks noGrp="1"/>
+          </p:cNvSpPr>
+          <p:nvPr>
+            <p:ph type="sldNum" sz="quarter" idx="5"/>
+          </p:nvPr>
+        </p:nvSpPr>
+        <p:spPr/>
+        <p:txBody>
+          <a:bodyPr/>
+          <a:lstStyle/>
+          <a:p>
+            <a:fld id="{9F67F347-F259-4000-9D8F-193820691C71}" type="slidenum">
+              <a:rPr lang="en-MY" smtClean="0"/>
+              <a:t>4</a:t>
+            </a:fld>
+            <a:endParaRPr lang="en-MY"/>
+          </a:p>
+        </p:txBody>
+      </p:sp>
+    </p:spTree>
+    <p:extLst>
+      <p:ext uri="{BB962C8B-B14F-4D97-AF65-F5344CB8AC3E}">
+        <p14:creationId xmlns:p14="http://schemas.microsoft.com/office/powerpoint/2010/main" val="2036609644"/>
       </p:ext>
     </p:extLst>
   </p:cSld>
@@ -715,7 +985,7 @@
           <a:p>
             <a:fld id="{FDA1C1AF-7B8C-40AE-9551-7C06C9AE4EEC}" type="datetimeFigureOut">
               <a:rPr lang="en-MY" smtClean="0"/>
-              <a:t>29/1/2024</a:t>
+              <a:t>30/1/2024</a:t>
             </a:fld>
             <a:endParaRPr lang="en-MY"/>
           </a:p>
@@ -901,7 +1171,7 @@
           <a:p>
             <a:fld id="{FDA1C1AF-7B8C-40AE-9551-7C06C9AE4EEC}" type="datetimeFigureOut">
               <a:rPr lang="en-MY" smtClean="0"/>
-              <a:t>29/1/2024</a:t>
+              <a:t>30/1/2024</a:t>
             </a:fld>
             <a:endParaRPr lang="en-MY"/>
           </a:p>
@@ -1081,7 +1351,7 @@
           <a:p>
             <a:fld id="{FDA1C1AF-7B8C-40AE-9551-7C06C9AE4EEC}" type="datetimeFigureOut">
               <a:rPr lang="en-MY" smtClean="0"/>
-              <a:t>29/1/2024</a:t>
+              <a:t>30/1/2024</a:t>
             </a:fld>
             <a:endParaRPr lang="en-MY"/>
           </a:p>
@@ -1251,7 +1521,7 @@
           <a:p>
             <a:fld id="{FDA1C1AF-7B8C-40AE-9551-7C06C9AE4EEC}" type="datetimeFigureOut">
               <a:rPr lang="en-MY" smtClean="0"/>
-              <a:t>29/1/2024</a:t>
+              <a:t>30/1/2024</a:t>
             </a:fld>
             <a:endParaRPr lang="en-MY"/>
           </a:p>
@@ -1495,7 +1765,7 @@
           <a:p>
             <a:fld id="{FDA1C1AF-7B8C-40AE-9551-7C06C9AE4EEC}" type="datetimeFigureOut">
               <a:rPr lang="en-MY" smtClean="0"/>
-              <a:t>29/1/2024</a:t>
+              <a:t>30/1/2024</a:t>
             </a:fld>
             <a:endParaRPr lang="en-MY"/>
           </a:p>
@@ -1727,7 +1997,7 @@
           <a:p>
             <a:fld id="{FDA1C1AF-7B8C-40AE-9551-7C06C9AE4EEC}" type="datetimeFigureOut">
               <a:rPr lang="en-MY" smtClean="0"/>
-              <a:t>29/1/2024</a:t>
+              <a:t>30/1/2024</a:t>
             </a:fld>
             <a:endParaRPr lang="en-MY"/>
           </a:p>
@@ -2094,7 +2364,7 @@
           <a:p>
             <a:fld id="{FDA1C1AF-7B8C-40AE-9551-7C06C9AE4EEC}" type="datetimeFigureOut">
               <a:rPr lang="en-MY" smtClean="0"/>
-              <a:t>29/1/2024</a:t>
+              <a:t>30/1/2024</a:t>
             </a:fld>
             <a:endParaRPr lang="en-MY"/>
           </a:p>
@@ -2212,7 +2482,7 @@
           <a:p>
             <a:fld id="{FDA1C1AF-7B8C-40AE-9551-7C06C9AE4EEC}" type="datetimeFigureOut">
               <a:rPr lang="en-MY" smtClean="0"/>
-              <a:t>29/1/2024</a:t>
+              <a:t>30/1/2024</a:t>
             </a:fld>
             <a:endParaRPr lang="en-MY"/>
           </a:p>
@@ -2307,7 +2577,7 @@
           <a:p>
             <a:fld id="{FDA1C1AF-7B8C-40AE-9551-7C06C9AE4EEC}" type="datetimeFigureOut">
               <a:rPr lang="en-MY" smtClean="0"/>
-              <a:t>29/1/2024</a:t>
+              <a:t>30/1/2024</a:t>
             </a:fld>
             <a:endParaRPr lang="en-MY"/>
           </a:p>
@@ -2584,7 +2854,7 @@
           <a:p>
             <a:fld id="{FDA1C1AF-7B8C-40AE-9551-7C06C9AE4EEC}" type="datetimeFigureOut">
               <a:rPr lang="en-MY" smtClean="0"/>
-              <a:t>29/1/2024</a:t>
+              <a:t>30/1/2024</a:t>
             </a:fld>
             <a:endParaRPr lang="en-MY"/>
           </a:p>
@@ -2841,7 +3111,7 @@
           <a:p>
             <a:fld id="{FDA1C1AF-7B8C-40AE-9551-7C06C9AE4EEC}" type="datetimeFigureOut">
               <a:rPr lang="en-MY" smtClean="0"/>
-              <a:t>29/1/2024</a:t>
+              <a:t>30/1/2024</a:t>
             </a:fld>
             <a:endParaRPr lang="en-MY"/>
           </a:p>
@@ -3054,7 +3324,7 @@
           <a:p>
             <a:fld id="{FDA1C1AF-7B8C-40AE-9551-7C06C9AE4EEC}" type="datetimeFigureOut">
               <a:rPr lang="en-MY" smtClean="0"/>
-              <a:t>29/1/2024</a:t>
+              <a:t>30/1/2024</a:t>
             </a:fld>
             <a:endParaRPr lang="en-MY"/>
           </a:p>
@@ -3689,7 +3959,7 @@
                 <a:solidFill>
                   <a:srgbClr val="FFFFFF"/>
                 </a:solidFill>
-                <a:latin typeface="Aharoni"/>
+                <a:latin typeface="Verdana"/>
               </a:rPr>
               <a:t>45,798</a:t>
             </a:r>
@@ -3711,7 +3981,7 @@
         <p:spPr>
           <a:xfrm>
             <a:off x="1486484" y="1294218"/>
-            <a:ext cx="23456484" cy="1107996"/>
+            <a:ext cx="23456484" cy="954107"/>
           </a:xfrm>
           <a:prstGeom prst="rect">
             <a:avLst/>
@@ -3725,22 +3995,14 @@
           <a:lstStyle/>
           <a:p>
             <a:r>
-              <a:rPr lang="en-US" sz="6600" b="1" dirty="0">
-                <a:latin typeface="Aharoni" panose="02010803020104030203" pitchFamily="2" charset="-79"/>
-                <a:ea typeface="Verdana" panose="020B0604030504040204" pitchFamily="34" charset="0"/>
-                <a:cs typeface="Aharoni" panose="02010803020104030203" pitchFamily="2" charset="-79"/>
-              </a:rPr>
-              <a:t>Malaysia Blood Donation Daily Updates </a:t>
-            </a:r>
-            <a:r>
-              <a:rPr lang="en-US" sz="6600" b="1" dirty="0">
+              <a:rPr lang="en-US" sz="5600" b="1" dirty="0">
                 <a:latin typeface="Verdana" panose="020B0604030504040204" pitchFamily="34" charset="0"/>
                 <a:ea typeface="Verdana" panose="020B0604030504040204" pitchFamily="34" charset="0"/>
                 <a:cs typeface="Aharoni" panose="02010803020104030203" pitchFamily="2" charset="-79"/>
               </a:rPr>
-              <a:t>(2024)</a:t>
-            </a:r>
-            <a:endParaRPr lang="en-MY" sz="6600" b="1" dirty="0">
+              <a:t>Malaysia’s Blood Donation Daily Updates (2024)</a:t>
+            </a:r>
+            <a:endParaRPr lang="en-MY" sz="5600" b="1" dirty="0">
               <a:latin typeface="Verdana" panose="020B0604030504040204" pitchFamily="34" charset="0"/>
               <a:ea typeface="Verdana" panose="020B0604030504040204" pitchFamily="34" charset="0"/>
               <a:cs typeface="Aharoni" panose="02010803020104030203" pitchFamily="2" charset="-79"/>
@@ -3776,13 +4038,13 @@
           </a:bodyPr>
           <a:lstStyle/>
           <a:p>
-            <a:pPr algn="ctr"/>
-            <a:r>
-              <a:rPr sz="1800" b="1">
+            <a:pPr algn="l"/>
+            <a:r>
+              <a:rPr sz="1800" b="0">
                 <a:solidFill>
                   <a:srgbClr val="000000"/>
                 </a:solidFill>
-                <a:latin typeface="Ahoroni"/>
+                <a:latin typeface="Verdana"/>
               </a:rPr>
               <a:t>Data as of 2024-01-28</a:t>
             </a:r>
@@ -3933,14 +4195,14 @@
             <a:pPr algn="ctr"/>
             <a:r>
               <a:rPr lang="en-US" sz="3200" b="1" dirty="0">
-                <a:latin typeface="Aharoni" panose="02010803020104030203" pitchFamily="2" charset="-79"/>
+                <a:latin typeface="Verdana" panose="020B0604030504040204" pitchFamily="34" charset="0"/>
                 <a:ea typeface="Verdana" panose="020B0604030504040204" pitchFamily="34" charset="0"/>
                 <a:cs typeface="Aharoni" panose="02010803020104030203" pitchFamily="2" charset="-79"/>
               </a:rPr>
               <a:t>KEDAH</a:t>
             </a:r>
             <a:endParaRPr lang="en-MY" sz="3200" b="1" dirty="0">
-              <a:latin typeface="Aharoni" panose="02010803020104030203" pitchFamily="2" charset="-79"/>
+              <a:latin typeface="Verdana" panose="020B0604030504040204" pitchFamily="34" charset="0"/>
               <a:ea typeface="Verdana" panose="020B0604030504040204" pitchFamily="34" charset="0"/>
               <a:cs typeface="Aharoni" panose="02010803020104030203" pitchFamily="2" charset="-79"/>
             </a:endParaRPr>
@@ -3981,7 +4243,7 @@
                 <a:solidFill>
                   <a:srgbClr val="000000"/>
                 </a:solidFill>
-                <a:latin typeface="Aharoni"/>
+                <a:latin typeface="Verdana"/>
               </a:rPr>
               <a:t>1,628</a:t>
             </a:r>
@@ -4133,14 +4395,14 @@
             <a:pPr algn="ctr"/>
             <a:r>
               <a:rPr lang="en-US" sz="3200" b="1" dirty="0">
-                <a:latin typeface="Aharoni" panose="02010803020104030203" pitchFamily="2" charset="-79"/>
+                <a:latin typeface="Verdana" panose="020B0604030504040204" pitchFamily="34" charset="0"/>
                 <a:ea typeface="Verdana" panose="020B0604030504040204" pitchFamily="34" charset="0"/>
                 <a:cs typeface="Aharoni" panose="02010803020104030203" pitchFamily="2" charset="-79"/>
               </a:rPr>
               <a:t>PULAU PINANG</a:t>
             </a:r>
             <a:endParaRPr lang="en-MY" sz="3200" b="1" dirty="0">
-              <a:latin typeface="Aharoni" panose="02010803020104030203" pitchFamily="2" charset="-79"/>
+              <a:latin typeface="Verdana" panose="020B0604030504040204" pitchFamily="34" charset="0"/>
               <a:ea typeface="Verdana" panose="020B0604030504040204" pitchFamily="34" charset="0"/>
               <a:cs typeface="Aharoni" panose="02010803020104030203" pitchFamily="2" charset="-79"/>
             </a:endParaRPr>
@@ -4181,7 +4443,7 @@
                 <a:solidFill>
                   <a:srgbClr val="000000"/>
                 </a:solidFill>
-                <a:latin typeface="Aharoni"/>
+                <a:latin typeface="Verdana"/>
               </a:rPr>
               <a:t>3,516</a:t>
             </a:r>
@@ -4380,7 +4642,7 @@
                 <a:solidFill>
                   <a:srgbClr val="000000"/>
                 </a:solidFill>
-                <a:latin typeface="Aharoni"/>
+                <a:latin typeface="Verdana"/>
               </a:rPr>
               <a:t>3,699</a:t>
             </a:r>
@@ -4579,7 +4841,7 @@
                 <a:solidFill>
                   <a:srgbClr val="000000"/>
                 </a:solidFill>
-                <a:latin typeface="Aharoni"/>
+                <a:latin typeface="Verdana"/>
               </a:rPr>
               <a:t>2,153</a:t>
             </a:r>
@@ -4715,7 +4977,7 @@
                 <a:solidFill>
                   <a:srgbClr val="000000"/>
                 </a:solidFill>
-                <a:latin typeface="Aharoni"/>
+                <a:latin typeface="Verdana"/>
               </a:rPr>
               <a:t>15,533</a:t>
             </a:r>
@@ -4805,14 +5067,14 @@
             <a:pPr algn="ctr"/>
             <a:r>
               <a:rPr lang="en-US" sz="3200" b="1" dirty="0">
-                <a:latin typeface="Aharoni" panose="02010803020104030203" pitchFamily="2" charset="-79"/>
+                <a:latin typeface="Verdana" panose="020B0604030504040204" pitchFamily="34" charset="0"/>
                 <a:ea typeface="Verdana" panose="020B0604030504040204" pitchFamily="34" charset="0"/>
                 <a:cs typeface="Aharoni" panose="02010803020104030203" pitchFamily="2" charset="-79"/>
               </a:rPr>
               <a:t>N. SEMBILAN</a:t>
             </a:r>
             <a:endParaRPr lang="en-MY" sz="3200" b="1" dirty="0">
-              <a:latin typeface="Aharoni" panose="02010803020104030203" pitchFamily="2" charset="-79"/>
+              <a:latin typeface="Verdana" panose="020B0604030504040204" pitchFamily="34" charset="0"/>
               <a:ea typeface="Verdana" panose="020B0604030504040204" pitchFamily="34" charset="0"/>
               <a:cs typeface="Aharoni" panose="02010803020104030203" pitchFamily="2" charset="-79"/>
             </a:endParaRPr>
@@ -4853,7 +5115,7 @@
                 <a:solidFill>
                   <a:srgbClr val="000000"/>
                 </a:solidFill>
-                <a:latin typeface="Aharoni"/>
+                <a:latin typeface="Verdana"/>
               </a:rPr>
               <a:t>1,574</a:t>
             </a:r>
@@ -5004,14 +5266,14 @@
             <a:pPr algn="ctr"/>
             <a:r>
               <a:rPr lang="en-US" sz="3200" b="1" dirty="0">
-                <a:latin typeface="Aharoni" panose="02010803020104030203" pitchFamily="2" charset="-79"/>
+                <a:latin typeface="Verdana" panose="020B0604030504040204" pitchFamily="34" charset="0"/>
                 <a:ea typeface="Verdana" panose="020B0604030504040204" pitchFamily="34" charset="0"/>
                 <a:cs typeface="Aharoni" panose="02010803020104030203" pitchFamily="2" charset="-79"/>
               </a:rPr>
               <a:t>SABAH</a:t>
             </a:r>
             <a:endParaRPr lang="en-MY" sz="3200" b="1" dirty="0">
-              <a:latin typeface="Aharoni" panose="02010803020104030203" pitchFamily="2" charset="-79"/>
+              <a:latin typeface="Verdana" panose="020B0604030504040204" pitchFamily="34" charset="0"/>
               <a:ea typeface="Verdana" panose="020B0604030504040204" pitchFamily="34" charset="0"/>
               <a:cs typeface="Aharoni" panose="02010803020104030203" pitchFamily="2" charset="-79"/>
             </a:endParaRPr>
@@ -5052,7 +5314,7 @@
                 <a:solidFill>
                   <a:srgbClr val="000000"/>
                 </a:solidFill>
-                <a:latin typeface="Aharoni"/>
+                <a:latin typeface="Verdana"/>
               </a:rPr>
               <a:t>2,814</a:t>
             </a:r>
@@ -5203,14 +5465,14 @@
             <a:pPr algn="ctr"/>
             <a:r>
               <a:rPr lang="en-US" sz="3200" b="1" dirty="0">
-                <a:latin typeface="Aharoni" panose="02010803020104030203" pitchFamily="2" charset="-79"/>
+                <a:latin typeface="Verdana" panose="020B0604030504040204" pitchFamily="34" charset="0"/>
                 <a:ea typeface="Verdana" panose="020B0604030504040204" pitchFamily="34" charset="0"/>
                 <a:cs typeface="Aharoni" panose="02010803020104030203" pitchFamily="2" charset="-79"/>
               </a:rPr>
               <a:t>SARAWAK</a:t>
             </a:r>
             <a:endParaRPr lang="en-MY" sz="3200" b="1" dirty="0">
-              <a:latin typeface="Aharoni" panose="02010803020104030203" pitchFamily="2" charset="-79"/>
+              <a:latin typeface="Verdana" panose="020B0604030504040204" pitchFamily="34" charset="0"/>
               <a:ea typeface="Verdana" panose="020B0604030504040204" pitchFamily="34" charset="0"/>
               <a:cs typeface="Aharoni" panose="02010803020104030203" pitchFamily="2" charset="-79"/>
             </a:endParaRPr>
@@ -5251,7 +5513,7 @@
                 <a:solidFill>
                   <a:srgbClr val="000000"/>
                 </a:solidFill>
-                <a:latin typeface="Aharoni"/>
+                <a:latin typeface="Verdana"/>
               </a:rPr>
               <a:t>3,489</a:t>
             </a:r>
@@ -5402,14 +5664,14 @@
             <a:pPr algn="ctr"/>
             <a:r>
               <a:rPr lang="en-US" sz="3200" b="1" dirty="0">
-                <a:latin typeface="Aharoni" panose="02010803020104030203" pitchFamily="2" charset="-79"/>
+                <a:latin typeface="Verdana" panose="020B0604030504040204" pitchFamily="34" charset="0"/>
                 <a:ea typeface="Verdana" panose="020B0604030504040204" pitchFamily="34" charset="0"/>
                 <a:cs typeface="Aharoni" panose="02010803020104030203" pitchFamily="2" charset="-79"/>
               </a:rPr>
               <a:t>KELANTAN</a:t>
             </a:r>
             <a:endParaRPr lang="en-MY" sz="3200" b="1" dirty="0">
-              <a:latin typeface="Aharoni" panose="02010803020104030203" pitchFamily="2" charset="-79"/>
+              <a:latin typeface="Verdana" panose="020B0604030504040204" pitchFamily="34" charset="0"/>
               <a:ea typeface="Verdana" panose="020B0604030504040204" pitchFamily="34" charset="0"/>
               <a:cs typeface="Aharoni" panose="02010803020104030203" pitchFamily="2" charset="-79"/>
             </a:endParaRPr>
@@ -5450,7 +5712,7 @@
                 <a:solidFill>
                   <a:srgbClr val="000000"/>
                 </a:solidFill>
-                <a:latin typeface="Aharoni"/>
+                <a:latin typeface="Verdana"/>
               </a:rPr>
               <a:t>1,519</a:t>
             </a:r>
@@ -5601,14 +5863,14 @@
             <a:pPr algn="ctr"/>
             <a:r>
               <a:rPr lang="en-US" sz="3200" b="1" dirty="0">
-                <a:latin typeface="Aharoni" panose="02010803020104030203" pitchFamily="2" charset="-79"/>
+                <a:latin typeface="Verdana" panose="020B0604030504040204" pitchFamily="34" charset="0"/>
                 <a:ea typeface="Verdana" panose="020B0604030504040204" pitchFamily="34" charset="0"/>
                 <a:cs typeface="Aharoni" panose="02010803020104030203" pitchFamily="2" charset="-79"/>
               </a:rPr>
               <a:t>TERENGGANU</a:t>
             </a:r>
             <a:endParaRPr lang="en-MY" sz="3200" b="1" dirty="0">
-              <a:latin typeface="Aharoni" panose="02010803020104030203" pitchFamily="2" charset="-79"/>
+              <a:latin typeface="Verdana" panose="020B0604030504040204" pitchFamily="34" charset="0"/>
               <a:ea typeface="Verdana" panose="020B0604030504040204" pitchFamily="34" charset="0"/>
               <a:cs typeface="Aharoni" panose="02010803020104030203" pitchFamily="2" charset="-79"/>
             </a:endParaRPr>
@@ -5649,7 +5911,7 @@
                 <a:solidFill>
                   <a:srgbClr val="000000"/>
                 </a:solidFill>
-                <a:latin typeface="Aharoni"/>
+                <a:latin typeface="Verdana"/>
               </a:rPr>
               <a:t>1,817</a:t>
             </a:r>
@@ -5800,14 +6062,14 @@
             <a:pPr algn="ctr"/>
             <a:r>
               <a:rPr lang="en-US" sz="3200" b="1" dirty="0">
-                <a:latin typeface="Aharoni" panose="02010803020104030203" pitchFamily="2" charset="-79"/>
+                <a:latin typeface="Verdana" panose="020B0604030504040204" pitchFamily="34" charset="0"/>
                 <a:ea typeface="Verdana" panose="020B0604030504040204" pitchFamily="34" charset="0"/>
                 <a:cs typeface="Aharoni" panose="02010803020104030203" pitchFamily="2" charset="-79"/>
               </a:rPr>
               <a:t>PAHANG</a:t>
             </a:r>
             <a:endParaRPr lang="en-MY" sz="3200" b="1" dirty="0">
-              <a:latin typeface="Aharoni" panose="02010803020104030203" pitchFamily="2" charset="-79"/>
+              <a:latin typeface="Verdana" panose="020B0604030504040204" pitchFamily="34" charset="0"/>
               <a:ea typeface="Verdana" panose="020B0604030504040204" pitchFamily="34" charset="0"/>
               <a:cs typeface="Aharoni" panose="02010803020104030203" pitchFamily="2" charset="-79"/>
             </a:endParaRPr>
@@ -5848,7 +6110,7 @@
                 <a:solidFill>
                   <a:srgbClr val="000000"/>
                 </a:solidFill>
-                <a:latin typeface="Aharoni"/>
+                <a:latin typeface="Verdana"/>
               </a:rPr>
               <a:t>1,991</a:t>
             </a:r>
@@ -5938,14 +6200,14 @@
             <a:pPr algn="ctr"/>
             <a:r>
               <a:rPr lang="en-US" sz="3200" b="1" dirty="0">
-                <a:latin typeface="Aharoni" panose="02010803020104030203" pitchFamily="2" charset="-79"/>
+                <a:latin typeface="Verdana" panose="020B0604030504040204" pitchFamily="34" charset="0"/>
                 <a:ea typeface="Verdana" panose="020B0604030504040204" pitchFamily="34" charset="0"/>
                 <a:cs typeface="Aharoni" panose="02010803020104030203" pitchFamily="2" charset="-79"/>
               </a:rPr>
               <a:t>MELAKA</a:t>
             </a:r>
             <a:endParaRPr lang="en-MY" sz="3200" b="1" dirty="0">
-              <a:latin typeface="Aharoni" panose="02010803020104030203" pitchFamily="2" charset="-79"/>
+              <a:latin typeface="Verdana" panose="020B0604030504040204" pitchFamily="34" charset="0"/>
               <a:ea typeface="Verdana" panose="020B0604030504040204" pitchFamily="34" charset="0"/>
               <a:cs typeface="Aharoni" panose="02010803020104030203" pitchFamily="2" charset="-79"/>
             </a:endParaRPr>
@@ -5986,7 +6248,7 @@
                 <a:solidFill>
                   <a:srgbClr val="000000"/>
                 </a:solidFill>
-                <a:latin typeface="Aharoni"/>
+                <a:latin typeface="Verdana"/>
               </a:rPr>
               <a:t>2,190</a:t>
             </a:r>
@@ -6076,14 +6338,14 @@
             <a:pPr algn="ctr"/>
             <a:r>
               <a:rPr lang="en-US" sz="3200" b="1" dirty="0">
-                <a:latin typeface="Aharoni" panose="02010803020104030203" pitchFamily="2" charset="-79"/>
+                <a:latin typeface="Verdana" panose="020B0604030504040204" pitchFamily="34" charset="0"/>
                 <a:ea typeface="Verdana" panose="020B0604030504040204" pitchFamily="34" charset="0"/>
                 <a:cs typeface="Aharoni" panose="02010803020104030203" pitchFamily="2" charset="-79"/>
               </a:rPr>
               <a:t>JOHOR</a:t>
             </a:r>
             <a:endParaRPr lang="en-MY" sz="3200" b="1" dirty="0">
-              <a:latin typeface="Aharoni" panose="02010803020104030203" pitchFamily="2" charset="-79"/>
+              <a:latin typeface="Verdana" panose="020B0604030504040204" pitchFamily="34" charset="0"/>
               <a:ea typeface="Verdana" panose="020B0604030504040204" pitchFamily="34" charset="0"/>
               <a:cs typeface="Aharoni" panose="02010803020104030203" pitchFamily="2" charset="-79"/>
             </a:endParaRPr>
@@ -6124,7 +6386,7 @@
                 <a:solidFill>
                   <a:srgbClr val="000000"/>
                 </a:solidFill>
-                <a:latin typeface="Aharoni"/>
+                <a:latin typeface="Verdana"/>
               </a:rPr>
               <a:t>3,875</a:t>
             </a:r>
@@ -6387,7 +6649,7 @@
         <p:spPr>
           <a:xfrm>
             <a:off x="4343704" y="28432944"/>
-            <a:ext cx="3658376" cy="830997"/>
+            <a:ext cx="4324310" cy="830997"/>
           </a:xfrm>
           <a:prstGeom prst="rect">
             <a:avLst/>
@@ -6406,7 +6668,7 @@
                 <a:solidFill>
                   <a:srgbClr val="000000"/>
                 </a:solidFill>
-                <a:latin typeface="Aharoni"/>
+                <a:latin typeface="Verdana"/>
               </a:rPr>
               <a:t>0</a:t>
             </a:r>
@@ -6496,14 +6758,14 @@
             <a:pPr algn="ctr"/>
             <a:r>
               <a:rPr lang="en-US" sz="3200" b="1" dirty="0">
-                <a:latin typeface="Aharoni" panose="02010803020104030203" pitchFamily="2" charset="-79"/>
+                <a:latin typeface="Verdana" panose="020B0604030504040204" pitchFamily="34" charset="0"/>
                 <a:ea typeface="Verdana" panose="020B0604030504040204" pitchFamily="34" charset="0"/>
                 <a:cs typeface="Aharoni" panose="02010803020104030203" pitchFamily="2" charset="-79"/>
               </a:rPr>
               <a:t>PUTRAJAYA</a:t>
             </a:r>
             <a:endParaRPr lang="en-MY" sz="3200" b="1" dirty="0">
-              <a:latin typeface="Aharoni" panose="02010803020104030203" pitchFamily="2" charset="-79"/>
+              <a:latin typeface="Verdana" panose="020B0604030504040204" pitchFamily="34" charset="0"/>
               <a:ea typeface="Verdana" panose="020B0604030504040204" pitchFamily="34" charset="0"/>
               <a:cs typeface="Aharoni" panose="02010803020104030203" pitchFamily="2" charset="-79"/>
             </a:endParaRPr>
@@ -6544,7 +6806,7 @@
                 <a:solidFill>
                   <a:srgbClr val="000000"/>
                 </a:solidFill>
-                <a:latin typeface="Aharoni"/>
+                <a:latin typeface="Verdana"/>
               </a:rPr>
               <a:t>0</a:t>
             </a:r>
@@ -6637,7 +6899,7 @@
                 <a:solidFill>
                   <a:srgbClr val="000000"/>
                 </a:solidFill>
-                <a:latin typeface="Aharoni"/>
+                <a:latin typeface="Verdana"/>
               </a:rPr>
               <a:t>0</a:t>
             </a:r>
@@ -7017,14 +7279,14 @@
             <a:pPr algn="ctr"/>
             <a:r>
               <a:rPr lang="en-US" sz="3200" b="1" dirty="0">
-                <a:latin typeface="Aharoni" panose="02010803020104030203" pitchFamily="2" charset="-79"/>
+                <a:latin typeface="Verdana" panose="020B0604030504040204" pitchFamily="34" charset="0"/>
                 <a:ea typeface="Verdana" panose="020B0604030504040204" pitchFamily="34" charset="0"/>
                 <a:cs typeface="Aharoni" panose="02010803020104030203" pitchFamily="2" charset="-79"/>
               </a:rPr>
               <a:t>LABUAN</a:t>
             </a:r>
             <a:endParaRPr lang="en-MY" sz="3200" b="1" dirty="0">
-              <a:latin typeface="Aharoni" panose="02010803020104030203" pitchFamily="2" charset="-79"/>
+              <a:latin typeface="Verdana" panose="020B0604030504040204" pitchFamily="34" charset="0"/>
               <a:ea typeface="Verdana" panose="020B0604030504040204" pitchFamily="34" charset="0"/>
               <a:cs typeface="Aharoni" panose="02010803020104030203" pitchFamily="2" charset="-79"/>
             </a:endParaRPr>
@@ -7065,7 +7327,7 @@
                 <a:solidFill>
                   <a:srgbClr val="1CB636"/>
                 </a:solidFill>
-                <a:latin typeface="Aharoni"/>
+                <a:latin typeface="Verdana"/>
               </a:rPr>
               <a:t>+633</a:t>
             </a:r>
@@ -7106,7 +7368,7 @@
                 <a:solidFill>
                   <a:srgbClr val="1CB636"/>
                 </a:solidFill>
-                <a:latin typeface="Aharoni"/>
+                <a:latin typeface="Verdana"/>
               </a:rPr>
               <a:t>+56</a:t>
             </a:r>
@@ -7147,7 +7409,7 @@
                 <a:solidFill>
                   <a:srgbClr val="1CB636"/>
                 </a:solidFill>
-                <a:latin typeface="Aharoni"/>
+                <a:latin typeface="Verdana"/>
               </a:rPr>
               <a:t>+300</a:t>
             </a:r>
@@ -7188,7 +7450,7 @@
                 <a:solidFill>
                   <a:srgbClr val="1CB636"/>
                 </a:solidFill>
-                <a:latin typeface="Aharoni"/>
+                <a:latin typeface="Verdana"/>
               </a:rPr>
               <a:t>+250</a:t>
             </a:r>
@@ -7229,7 +7491,7 @@
                 <a:solidFill>
                   <a:srgbClr val="1CB636"/>
                 </a:solidFill>
-                <a:latin typeface="Aharoni"/>
+                <a:latin typeface="Verdana"/>
               </a:rPr>
               <a:t>+264</a:t>
             </a:r>
@@ -7270,7 +7532,7 @@
                 <a:solidFill>
                   <a:srgbClr val="1CB636"/>
                 </a:solidFill>
-                <a:latin typeface="Aharoni"/>
+                <a:latin typeface="Verdana"/>
               </a:rPr>
               <a:t>+361</a:t>
             </a:r>
@@ -7311,7 +7573,7 @@
                 <a:solidFill>
                   <a:srgbClr val="1CB636"/>
                 </a:solidFill>
-                <a:latin typeface="Aharoni"/>
+                <a:latin typeface="Verdana"/>
               </a:rPr>
               <a:t>+193</a:t>
             </a:r>
@@ -7352,7 +7614,7 @@
                 <a:solidFill>
                   <a:srgbClr val="1CB636"/>
                 </a:solidFill>
-                <a:latin typeface="Aharoni"/>
+                <a:latin typeface="Verdana"/>
               </a:rPr>
               <a:t>+184</a:t>
             </a:r>
@@ -7393,7 +7655,7 @@
                 <a:solidFill>
                   <a:srgbClr val="1CB636"/>
                 </a:solidFill>
-                <a:latin typeface="Aharoni"/>
+                <a:latin typeface="Verdana"/>
               </a:rPr>
               <a:t> +104</a:t>
             </a:r>
@@ -7434,7 +7696,7 @@
                 <a:solidFill>
                   <a:srgbClr val="1CB636"/>
                 </a:solidFill>
-                <a:latin typeface="Aharoni"/>
+                <a:latin typeface="Verdana"/>
               </a:rPr>
               <a:t>+106</a:t>
             </a:r>
@@ -7475,7 +7737,7 @@
                 <a:solidFill>
                   <a:srgbClr val="1CB636"/>
                 </a:solidFill>
-                <a:latin typeface="Aharoni"/>
+                <a:latin typeface="Verdana"/>
               </a:rPr>
               <a:t>+36</a:t>
             </a:r>
@@ -7516,7 +7778,7 @@
                 <a:solidFill>
                   <a:srgbClr val="1CB636"/>
                 </a:solidFill>
-                <a:latin typeface="Aharoni"/>
+                <a:latin typeface="Verdana"/>
               </a:rPr>
               <a:t>+57</a:t>
             </a:r>
@@ -7557,7 +7819,7 @@
                 <a:solidFill>
                   <a:srgbClr val="1CB636"/>
                 </a:solidFill>
-                <a:latin typeface="Aharoni"/>
+                <a:latin typeface="Verdana"/>
               </a:rPr>
               <a:t>+106</a:t>
             </a:r>
@@ -7598,7 +7860,7 @@
                 <a:solidFill>
                   <a:srgbClr val="1CB636"/>
                 </a:solidFill>
-                <a:latin typeface="Aharoni"/>
+                <a:latin typeface="Verdana"/>
               </a:rPr>
               <a:t>+0</a:t>
             </a:r>
@@ -7639,7 +7901,7 @@
                 <a:solidFill>
                   <a:srgbClr val="1CB636"/>
                 </a:solidFill>
-                <a:latin typeface="Aharoni"/>
+                <a:latin typeface="Verdana"/>
               </a:rPr>
               <a:t>+0</a:t>
             </a:r>
@@ -7680,7 +7942,7 @@
                 <a:solidFill>
                   <a:srgbClr val="1CB636"/>
                 </a:solidFill>
-                <a:latin typeface="Aharoni"/>
+                <a:latin typeface="Verdana"/>
               </a:rPr>
               <a:t>+0</a:t>
             </a:r>
@@ -7721,7 +7983,7 @@
                 <a:solidFill>
                   <a:srgbClr val="1CB636"/>
                 </a:solidFill>
-                <a:latin typeface="Aharoni"/>
+                <a:latin typeface="Verdana"/>
               </a:rPr>
               <a:t>+2,650</a:t>
             </a:r>
@@ -7759,14 +8021,14 @@
             <a:pPr algn="ctr"/>
             <a:r>
               <a:rPr lang="en-US" sz="3200" b="1" dirty="0">
-                <a:latin typeface="Aharoni" panose="02010803020104030203" pitchFamily="2" charset="-79"/>
+                <a:latin typeface="Verdana" panose="020B0604030504040204" pitchFamily="34" charset="0"/>
                 <a:ea typeface="Verdana" panose="020B0604030504040204" pitchFamily="34" charset="0"/>
                 <a:cs typeface="Aharoni" panose="02010803020104030203" pitchFamily="2" charset="-79"/>
               </a:rPr>
               <a:t>SELANGOR</a:t>
             </a:r>
             <a:endParaRPr lang="en-MY" sz="3200" b="1" dirty="0">
-              <a:latin typeface="Aharoni" panose="02010803020104030203" pitchFamily="2" charset="-79"/>
+              <a:latin typeface="Verdana" panose="020B0604030504040204" pitchFamily="34" charset="0"/>
               <a:ea typeface="Verdana" panose="020B0604030504040204" pitchFamily="34" charset="0"/>
               <a:cs typeface="Aharoni" panose="02010803020104030203" pitchFamily="2" charset="-79"/>
             </a:endParaRPr>
@@ -7807,7 +8069,7 @@
                 <a:solidFill>
                   <a:srgbClr val="000000"/>
                 </a:solidFill>
-                <a:latin typeface="Aharoni"/>
+                <a:latin typeface="Verdana"/>
               </a:rPr>
               <a:t>2,153</a:t>
             </a:r>
@@ -7817,7 +8079,1438 @@
     </p:spTree>
     <p:extLst>
       <p:ext uri="{BB962C8B-B14F-4D97-AF65-F5344CB8AC3E}">
-        <p14:creationId xmlns:p14="http://schemas.microsoft.com/office/powerpoint/2010/main" val="1514568831"/>
+        <p14:creationId xmlns:p14="http://schemas.microsoft.com/office/powerpoint/2010/main" val="3644886294"/>
+      </p:ext>
+    </p:extLst>
+  </p:cSld>
+  <p:clrMapOvr>
+    <a:masterClrMapping/>
+  </p:clrMapOvr>
+</p:sld>
+</file>
+
+<file path=ppt/slides/slide2.xml><?xml version="1.0" encoding="utf-8"?>
+<p:sld xmlns:a="http://schemas.openxmlformats.org/drawingml/2006/main" xmlns:r="http://schemas.openxmlformats.org/officeDocument/2006/relationships" xmlns:p="http://schemas.openxmlformats.org/presentationml/2006/main" showMasterSp="0">
+  <p:cSld>
+    <p:bg>
+      <p:bgPr>
+        <a:blipFill dpi="0" rotWithShape="1">
+          <a:blip r:embed="rId3">
+            <a:alphaModFix amt="40000"/>
+            <a:lum/>
+          </a:blip>
+          <a:srcRect/>
+          <a:stretch>
+            <a:fillRect l="-50000" r="-50000"/>
+          </a:stretch>
+        </a:blipFill>
+        <a:effectLst/>
+      </p:bgPr>
+    </p:bg>
+    <p:spTree>
+      <p:nvGrpSpPr>
+        <p:cNvPr id="1" name=""/>
+        <p:cNvGrpSpPr/>
+        <p:nvPr/>
+      </p:nvGrpSpPr>
+      <p:grpSpPr>
+        <a:xfrm>
+          <a:off x="0" y="0"/>
+          <a:ext cx="0" cy="0"/>
+          <a:chOff x="0" y="0"/>
+          <a:chExt cx="0" cy="0"/>
+        </a:xfrm>
+      </p:grpSpPr>
+      <p:sp>
+        <p:nvSpPr>
+          <p:cNvPr id="46" name="Rectangle: Rounded Corners 45">
+            <a:extLst>
+              <a:ext uri="{FF2B5EF4-FFF2-40B4-BE49-F238E27FC236}">
+                <a16:creationId xmlns:a16="http://schemas.microsoft.com/office/drawing/2014/main" id="{8CA1AF2F-7D28-452A-40FC-31815356C6F6}"/>
+              </a:ext>
+            </a:extLst>
+          </p:cNvPr>
+          <p:cNvSpPr/>
+          <p:nvPr/>
+        </p:nvSpPr>
+        <p:spPr>
+          <a:xfrm>
+            <a:off x="7094806" y="4008688"/>
+            <a:ext cx="15516666" cy="12190162"/>
+          </a:xfrm>
+          <a:prstGeom prst="roundRect">
+            <a:avLst/>
+          </a:prstGeom>
+          <a:solidFill>
+            <a:schemeClr val="bg1"/>
+          </a:solidFill>
+          <a:ln>
+            <a:noFill/>
+          </a:ln>
+        </p:spPr>
+        <p:style>
+          <a:lnRef idx="2">
+            <a:schemeClr val="accent1">
+              <a:shade val="15000"/>
+            </a:schemeClr>
+          </a:lnRef>
+          <a:fillRef idx="1">
+            <a:schemeClr val="accent1"/>
+          </a:fillRef>
+          <a:effectRef idx="0">
+            <a:schemeClr val="accent1"/>
+          </a:effectRef>
+          <a:fontRef idx="minor">
+            <a:schemeClr val="lt1"/>
+          </a:fontRef>
+        </p:style>
+        <p:txBody>
+          <a:bodyPr rtlCol="0" anchor="ctr"/>
+          <a:lstStyle/>
+          <a:p>
+            <a:pPr algn="ctr"/>
+            <a:endParaRPr lang="en-MY"/>
+          </a:p>
+        </p:txBody>
+      </p:sp>
+      <p:sp>
+        <p:nvSpPr>
+          <p:cNvPr id="58" name="TextBox 57">
+            <a:extLst>
+              <a:ext uri="{FF2B5EF4-FFF2-40B4-BE49-F238E27FC236}">
+                <a16:creationId xmlns:a16="http://schemas.microsoft.com/office/drawing/2014/main" id="{68AD2F2E-1DF3-FE12-A288-90276DF6DFB4}"/>
+              </a:ext>
+            </a:extLst>
+          </p:cNvPr>
+          <p:cNvSpPr txBox="1"/>
+          <p:nvPr/>
+        </p:nvSpPr>
+        <p:spPr>
+          <a:xfrm>
+            <a:off x="1486484" y="1294218"/>
+            <a:ext cx="23456484" cy="954107"/>
+          </a:xfrm>
+          <a:prstGeom prst="rect">
+            <a:avLst/>
+          </a:prstGeom>
+          <a:noFill/>
+        </p:spPr>
+        <p:txBody>
+          <a:bodyPr wrap="square" rtlCol="0">
+            <a:spAutoFit/>
+          </a:bodyPr>
+          <a:lstStyle/>
+          <a:p>
+            <a:r>
+              <a:rPr lang="en-US" sz="5600" b="1" dirty="0">
+                <a:latin typeface="Verdana" panose="020B0604030504040204" pitchFamily="34" charset="0"/>
+                <a:ea typeface="Verdana" panose="020B0604030504040204" pitchFamily="34" charset="0"/>
+                <a:cs typeface="Aharoni" panose="02010803020104030203" pitchFamily="2" charset="-79"/>
+              </a:rPr>
+              <a:t>Malaysia’s Blood Donation Daily Trends (2024)</a:t>
+            </a:r>
+            <a:endParaRPr lang="en-MY" sz="5600" b="1" dirty="0">
+              <a:latin typeface="Verdana" panose="020B0604030504040204" pitchFamily="34" charset="0"/>
+              <a:ea typeface="Verdana" panose="020B0604030504040204" pitchFamily="34" charset="0"/>
+              <a:cs typeface="Aharoni" panose="02010803020104030203" pitchFamily="2" charset="-79"/>
+            </a:endParaRPr>
+          </a:p>
+        </p:txBody>
+      </p:sp>
+      <p:pic>
+        <p:nvPicPr>
+          <p:cNvPr id="50" name="Picture 49">
+            <a:extLst>
+              <a:ext uri="{FF2B5EF4-FFF2-40B4-BE49-F238E27FC236}">
+                <a16:creationId xmlns:a16="http://schemas.microsoft.com/office/drawing/2014/main" id="{7D39F7BD-CBE9-9D05-B8BC-9A644A533803}"/>
+              </a:ext>
+            </a:extLst>
+          </p:cNvPr>
+          <p:cNvPicPr>
+            <a:picLocks noChangeAspect="1"/>
+          </p:cNvPicPr>
+          <p:nvPr/>
+        </p:nvPicPr>
+        <p:blipFill>
+          <a:blip r:embed="rId4">
+            <a:clrChange>
+              <a:clrFrom>
+                <a:srgbClr val="FFFFFF"/>
+              </a:clrFrom>
+              <a:clrTo>
+                <a:srgbClr val="FFFFFF">
+                  <a:alpha val="0"/>
+                </a:srgbClr>
+              </a:clrTo>
+            </a:clrChange>
+            <a:extLst>
+              <a:ext uri="{28A0092B-C50C-407E-A947-70E740481C1C}">
+                <a14:useLocalDpi xmlns:a14="http://schemas.microsoft.com/office/drawing/2010/main" val="0"/>
+              </a:ext>
+            </a:extLst>
+          </a:blip>
+          <a:stretch>
+            <a:fillRect/>
+          </a:stretch>
+        </p:blipFill>
+        <p:spPr>
+          <a:xfrm>
+            <a:off x="25805921" y="538032"/>
+            <a:ext cx="3142244" cy="3142244"/>
+          </a:xfrm>
+          <a:prstGeom prst="rect">
+            <a:avLst/>
+          </a:prstGeom>
+        </p:spPr>
+      </p:pic>
+      <p:sp>
+        <p:nvSpPr>
+          <p:cNvPr id="14" name="Rectangle: Rounded Corners 13">
+            <a:extLst>
+              <a:ext uri="{FF2B5EF4-FFF2-40B4-BE49-F238E27FC236}">
+                <a16:creationId xmlns:a16="http://schemas.microsoft.com/office/drawing/2014/main" id="{EF0858CB-770B-9A12-3A46-BA8A26F9D8B0}"/>
+              </a:ext>
+            </a:extLst>
+          </p:cNvPr>
+          <p:cNvSpPr/>
+          <p:nvPr/>
+        </p:nvSpPr>
+        <p:spPr>
+          <a:xfrm>
+            <a:off x="7094806" y="17959213"/>
+            <a:ext cx="15516666" cy="12190162"/>
+          </a:xfrm>
+          <a:prstGeom prst="roundRect">
+            <a:avLst/>
+          </a:prstGeom>
+          <a:solidFill>
+            <a:schemeClr val="bg1"/>
+          </a:solidFill>
+          <a:ln>
+            <a:noFill/>
+          </a:ln>
+        </p:spPr>
+        <p:style>
+          <a:lnRef idx="2">
+            <a:schemeClr val="accent1">
+              <a:shade val="15000"/>
+            </a:schemeClr>
+          </a:lnRef>
+          <a:fillRef idx="1">
+            <a:schemeClr val="accent1"/>
+          </a:fillRef>
+          <a:effectRef idx="0">
+            <a:schemeClr val="accent1"/>
+          </a:effectRef>
+          <a:fontRef idx="minor">
+            <a:schemeClr val="lt1"/>
+          </a:fontRef>
+        </p:style>
+        <p:txBody>
+          <a:bodyPr rtlCol="0" anchor="ctr"/>
+          <a:lstStyle/>
+          <a:p>
+            <a:pPr algn="ctr"/>
+            <a:endParaRPr lang="en-MY"/>
+          </a:p>
+        </p:txBody>
+      </p:sp>
+      <p:sp>
+        <p:nvSpPr>
+          <p:cNvPr id="23" name="TextBox 22">
+            <a:extLst>
+              <a:ext uri="{FF2B5EF4-FFF2-40B4-BE49-F238E27FC236}">
+                <a16:creationId xmlns:a16="http://schemas.microsoft.com/office/drawing/2014/main" id="{8D733F25-9D54-33F8-143F-F80761C2E22D}"/>
+              </a:ext>
+            </a:extLst>
+          </p:cNvPr>
+          <p:cNvSpPr txBox="1"/>
+          <p:nvPr/>
+        </p:nvSpPr>
+        <p:spPr>
+          <a:xfrm>
+            <a:off x="1650694" y="2528535"/>
+            <a:ext cx="3142244" cy="399981"/>
+          </a:xfrm>
+          <a:prstGeom prst="rect">
+            <a:avLst/>
+          </a:prstGeom>
+          <a:noFill/>
+        </p:spPr>
+        <p:txBody>
+          <a:bodyPr wrap="square" rtlCol="0">
+            <a:spAutoFit/>
+          </a:bodyPr>
+          <a:lstStyle/>
+          <a:p>
+            <a:pPr algn="l"/>
+            <a:r>
+              <a:rPr sz="1800" b="0">
+                <a:solidFill>
+                  <a:srgbClr val="000000"/>
+                </a:solidFill>
+                <a:latin typeface="Verdana"/>
+              </a:rPr>
+              <a:t>Data as of 2024-01-28</a:t>
+            </a:r>
+          </a:p>
+        </p:txBody>
+      </p:sp>
+      <p:pic>
+        <p:nvPicPr>
+          <p:cNvPr id="59" name="Graph 1" descr="image.png"/>
+          <p:cNvPicPr>
+            <a:picLocks noChangeAspect="1"/>
+          </p:cNvPicPr>
+          <p:nvPr/>
+        </p:nvPicPr>
+        <p:blipFill>
+          <a:blip r:embed="rId5"/>
+          <a:stretch>
+            <a:fillRect/>
+          </a:stretch>
+        </p:blipFill>
+        <p:spPr>
+          <a:xfrm>
+            <a:off x="7569998" y="4901526"/>
+            <a:ext cx="14566281" cy="10404486"/>
+          </a:xfrm>
+          <a:prstGeom prst="rect">
+            <a:avLst/>
+          </a:prstGeom>
+        </p:spPr>
+      </p:pic>
+      <p:pic>
+        <p:nvPicPr>
+          <p:cNvPr id="60" name="Graph 2" descr="image.png"/>
+          <p:cNvPicPr>
+            <a:picLocks noChangeAspect="1"/>
+          </p:cNvPicPr>
+          <p:nvPr/>
+        </p:nvPicPr>
+        <p:blipFill>
+          <a:blip r:embed="rId6"/>
+          <a:stretch>
+            <a:fillRect/>
+          </a:stretch>
+        </p:blipFill>
+        <p:spPr>
+          <a:xfrm>
+            <a:off x="7569998" y="18741010"/>
+            <a:ext cx="14685033" cy="10489310"/>
+          </a:xfrm>
+          <a:prstGeom prst="rect">
+            <a:avLst/>
+          </a:prstGeom>
+        </p:spPr>
+      </p:pic>
+    </p:spTree>
+    <p:extLst>
+      <p:ext uri="{BB962C8B-B14F-4D97-AF65-F5344CB8AC3E}">
+        <p14:creationId xmlns:p14="http://schemas.microsoft.com/office/powerpoint/2010/main" val="1400414128"/>
+      </p:ext>
+    </p:extLst>
+  </p:cSld>
+  <p:clrMapOvr>
+    <a:masterClrMapping/>
+  </p:clrMapOvr>
+</p:sld>
+</file>
+
+<file path=ppt/slides/slide3.xml><?xml version="1.0" encoding="utf-8"?>
+<p:sld xmlns:a="http://schemas.openxmlformats.org/drawingml/2006/main" xmlns:r="http://schemas.openxmlformats.org/officeDocument/2006/relationships" xmlns:p="http://schemas.openxmlformats.org/presentationml/2006/main" showMasterSp="0">
+  <p:cSld>
+    <p:bg>
+      <p:bgPr>
+        <a:blipFill dpi="0" rotWithShape="1">
+          <a:blip r:embed="rId3">
+            <a:alphaModFix amt="40000"/>
+            <a:lum/>
+          </a:blip>
+          <a:srcRect/>
+          <a:stretch>
+            <a:fillRect l="-50000" r="-50000"/>
+          </a:stretch>
+        </a:blipFill>
+        <a:effectLst/>
+      </p:bgPr>
+    </p:bg>
+    <p:spTree>
+      <p:nvGrpSpPr>
+        <p:cNvPr id="1" name=""/>
+        <p:cNvGrpSpPr/>
+        <p:nvPr/>
+      </p:nvGrpSpPr>
+      <p:grpSpPr>
+        <a:xfrm>
+          <a:off x="0" y="0"/>
+          <a:ext cx="0" cy="0"/>
+          <a:chOff x="0" y="0"/>
+          <a:chExt cx="0" cy="0"/>
+        </a:xfrm>
+      </p:grpSpPr>
+      <p:sp>
+        <p:nvSpPr>
+          <p:cNvPr id="46" name="Rectangle: Rounded Corners 45">
+            <a:extLst>
+              <a:ext uri="{FF2B5EF4-FFF2-40B4-BE49-F238E27FC236}">
+                <a16:creationId xmlns:a16="http://schemas.microsoft.com/office/drawing/2014/main" id="{8CA1AF2F-7D28-452A-40FC-31815356C6F6}"/>
+              </a:ext>
+            </a:extLst>
+          </p:cNvPr>
+          <p:cNvSpPr/>
+          <p:nvPr/>
+        </p:nvSpPr>
+        <p:spPr>
+          <a:xfrm>
+            <a:off x="7094806" y="3294184"/>
+            <a:ext cx="15516666" cy="12190162"/>
+          </a:xfrm>
+          <a:prstGeom prst="roundRect">
+            <a:avLst/>
+          </a:prstGeom>
+          <a:solidFill>
+            <a:schemeClr val="bg1"/>
+          </a:solidFill>
+          <a:ln>
+            <a:noFill/>
+          </a:ln>
+        </p:spPr>
+        <p:style>
+          <a:lnRef idx="2">
+            <a:schemeClr val="accent1">
+              <a:shade val="15000"/>
+            </a:schemeClr>
+          </a:lnRef>
+          <a:fillRef idx="1">
+            <a:schemeClr val="accent1"/>
+          </a:fillRef>
+          <a:effectRef idx="0">
+            <a:schemeClr val="accent1"/>
+          </a:effectRef>
+          <a:fontRef idx="minor">
+            <a:schemeClr val="lt1"/>
+          </a:fontRef>
+        </p:style>
+        <p:txBody>
+          <a:bodyPr rtlCol="0" anchor="ctr"/>
+          <a:lstStyle/>
+          <a:p>
+            <a:pPr algn="ctr"/>
+            <a:endParaRPr lang="en-MY"/>
+          </a:p>
+        </p:txBody>
+      </p:sp>
+      <p:sp>
+        <p:nvSpPr>
+          <p:cNvPr id="58" name="TextBox 57">
+            <a:extLst>
+              <a:ext uri="{FF2B5EF4-FFF2-40B4-BE49-F238E27FC236}">
+                <a16:creationId xmlns:a16="http://schemas.microsoft.com/office/drawing/2014/main" id="{68AD2F2E-1DF3-FE12-A288-90276DF6DFB4}"/>
+              </a:ext>
+            </a:extLst>
+          </p:cNvPr>
+          <p:cNvSpPr txBox="1"/>
+          <p:nvPr/>
+        </p:nvSpPr>
+        <p:spPr>
+          <a:xfrm>
+            <a:off x="1486483" y="1294218"/>
+            <a:ext cx="24319437" cy="954107"/>
+          </a:xfrm>
+          <a:prstGeom prst="rect">
+            <a:avLst/>
+          </a:prstGeom>
+          <a:noFill/>
+        </p:spPr>
+        <p:txBody>
+          <a:bodyPr wrap="square" rtlCol="0">
+            <a:spAutoFit/>
+          </a:bodyPr>
+          <a:lstStyle/>
+          <a:p>
+            <a:r>
+              <a:rPr lang="en-US" sz="5600" b="1" dirty="0">
+                <a:latin typeface="Verdana" panose="020B0604030504040204" pitchFamily="34" charset="0"/>
+                <a:ea typeface="Verdana" panose="020B0604030504040204" pitchFamily="34" charset="0"/>
+                <a:cs typeface="Aharoni" panose="02010803020104030203" pitchFamily="2" charset="-79"/>
+              </a:rPr>
+              <a:t>Malaysia’s Blood Donation Historical Trends (2006 – 2023)</a:t>
+            </a:r>
+            <a:endParaRPr lang="en-MY" sz="5600" b="1" dirty="0">
+              <a:latin typeface="Verdana" panose="020B0604030504040204" pitchFamily="34" charset="0"/>
+              <a:ea typeface="Verdana" panose="020B0604030504040204" pitchFamily="34" charset="0"/>
+              <a:cs typeface="Aharoni" panose="02010803020104030203" pitchFamily="2" charset="-79"/>
+            </a:endParaRPr>
+          </a:p>
+        </p:txBody>
+      </p:sp>
+      <p:pic>
+        <p:nvPicPr>
+          <p:cNvPr id="50" name="Picture 49">
+            <a:extLst>
+              <a:ext uri="{FF2B5EF4-FFF2-40B4-BE49-F238E27FC236}">
+                <a16:creationId xmlns:a16="http://schemas.microsoft.com/office/drawing/2014/main" id="{7D39F7BD-CBE9-9D05-B8BC-9A644A533803}"/>
+              </a:ext>
+            </a:extLst>
+          </p:cNvPr>
+          <p:cNvPicPr>
+            <a:picLocks noChangeAspect="1"/>
+          </p:cNvPicPr>
+          <p:nvPr/>
+        </p:nvPicPr>
+        <p:blipFill>
+          <a:blip r:embed="rId4">
+            <a:clrChange>
+              <a:clrFrom>
+                <a:srgbClr val="FFFFFF"/>
+              </a:clrFrom>
+              <a:clrTo>
+                <a:srgbClr val="FFFFFF">
+                  <a:alpha val="0"/>
+                </a:srgbClr>
+              </a:clrTo>
+            </a:clrChange>
+            <a:extLst>
+              <a:ext uri="{28A0092B-C50C-407E-A947-70E740481C1C}">
+                <a14:useLocalDpi xmlns:a14="http://schemas.microsoft.com/office/drawing/2010/main" val="0"/>
+              </a:ext>
+            </a:extLst>
+          </a:blip>
+          <a:stretch>
+            <a:fillRect/>
+          </a:stretch>
+        </p:blipFill>
+        <p:spPr>
+          <a:xfrm>
+            <a:off x="25805921" y="538032"/>
+            <a:ext cx="3142244" cy="3142244"/>
+          </a:xfrm>
+          <a:prstGeom prst="rect">
+            <a:avLst/>
+          </a:prstGeom>
+        </p:spPr>
+      </p:pic>
+      <p:pic>
+        <p:nvPicPr>
+          <p:cNvPr id="42" name="Picture 41">
+            <a:extLst>
+              <a:ext uri="{FF2B5EF4-FFF2-40B4-BE49-F238E27FC236}">
+                <a16:creationId xmlns:a16="http://schemas.microsoft.com/office/drawing/2014/main" id="{94F03FAB-3662-13F4-7371-1F5D934E4343}"/>
+              </a:ext>
+            </a:extLst>
+          </p:cNvPr>
+          <p:cNvPicPr>
+            <a:picLocks noChangeAspect="1"/>
+          </p:cNvPicPr>
+          <p:nvPr/>
+        </p:nvPicPr>
+        <p:blipFill>
+          <a:blip r:embed="rId5">
+            <a:extLst>
+              <a:ext uri="{28A0092B-C50C-407E-A947-70E740481C1C}">
+                <a14:useLocalDpi xmlns:a14="http://schemas.microsoft.com/office/drawing/2010/main" val="0"/>
+              </a:ext>
+            </a:extLst>
+          </a:blip>
+          <a:stretch>
+            <a:fillRect/>
+          </a:stretch>
+        </p:blipFill>
+        <p:spPr>
+          <a:xfrm>
+            <a:off x="7794809" y="4027039"/>
+            <a:ext cx="14172258" cy="10932884"/>
+          </a:xfrm>
+          <a:prstGeom prst="rect">
+            <a:avLst/>
+          </a:prstGeom>
+        </p:spPr>
+      </p:pic>
+      <p:sp>
+        <p:nvSpPr>
+          <p:cNvPr id="4" name="Rectangle: Rounded Corners 3">
+            <a:extLst>
+              <a:ext uri="{FF2B5EF4-FFF2-40B4-BE49-F238E27FC236}">
+                <a16:creationId xmlns:a16="http://schemas.microsoft.com/office/drawing/2014/main" id="{FD2A00D2-4012-F3C5-E946-6B865AC0275D}"/>
+              </a:ext>
+            </a:extLst>
+          </p:cNvPr>
+          <p:cNvSpPr/>
+          <p:nvPr/>
+        </p:nvSpPr>
+        <p:spPr>
+          <a:xfrm>
+            <a:off x="762566" y="17737015"/>
+            <a:ext cx="13680266" cy="12144224"/>
+          </a:xfrm>
+          <a:prstGeom prst="roundRect">
+            <a:avLst/>
+          </a:prstGeom>
+          <a:solidFill>
+            <a:schemeClr val="bg1"/>
+          </a:solidFill>
+          <a:ln>
+            <a:noFill/>
+          </a:ln>
+        </p:spPr>
+        <p:style>
+          <a:lnRef idx="2">
+            <a:schemeClr val="accent1">
+              <a:shade val="15000"/>
+            </a:schemeClr>
+          </a:lnRef>
+          <a:fillRef idx="1">
+            <a:schemeClr val="accent1"/>
+          </a:fillRef>
+          <a:effectRef idx="0">
+            <a:schemeClr val="accent1"/>
+          </a:effectRef>
+          <a:fontRef idx="minor">
+            <a:schemeClr val="lt1"/>
+          </a:fontRef>
+        </p:style>
+        <p:txBody>
+          <a:bodyPr rtlCol="0" anchor="ctr"/>
+          <a:lstStyle/>
+          <a:p>
+            <a:pPr algn="ctr"/>
+            <a:endParaRPr lang="en-MY"/>
+          </a:p>
+        </p:txBody>
+      </p:sp>
+      <p:pic>
+        <p:nvPicPr>
+          <p:cNvPr id="7" name="Picture 6">
+            <a:extLst>
+              <a:ext uri="{FF2B5EF4-FFF2-40B4-BE49-F238E27FC236}">
+                <a16:creationId xmlns:a16="http://schemas.microsoft.com/office/drawing/2014/main" id="{22BCAECB-6747-AE8F-98A4-F24186CBF681}"/>
+              </a:ext>
+            </a:extLst>
+          </p:cNvPr>
+          <p:cNvPicPr>
+            <a:picLocks noChangeAspect="1"/>
+          </p:cNvPicPr>
+          <p:nvPr/>
+        </p:nvPicPr>
+        <p:blipFill>
+          <a:blip r:embed="rId6">
+            <a:extLst>
+              <a:ext uri="{28A0092B-C50C-407E-A947-70E740481C1C}">
+                <a14:useLocalDpi xmlns:a14="http://schemas.microsoft.com/office/drawing/2010/main" val="0"/>
+              </a:ext>
+            </a:extLst>
+          </a:blip>
+          <a:stretch>
+            <a:fillRect/>
+          </a:stretch>
+        </p:blipFill>
+        <p:spPr>
+          <a:xfrm>
+            <a:off x="1769402" y="18391300"/>
+            <a:ext cx="12331345" cy="10789716"/>
+          </a:xfrm>
+          <a:prstGeom prst="rect">
+            <a:avLst/>
+          </a:prstGeom>
+        </p:spPr>
+      </p:pic>
+      <p:sp>
+        <p:nvSpPr>
+          <p:cNvPr id="10" name="Rectangle: Rounded Corners 9">
+            <a:extLst>
+              <a:ext uri="{FF2B5EF4-FFF2-40B4-BE49-F238E27FC236}">
+                <a16:creationId xmlns:a16="http://schemas.microsoft.com/office/drawing/2014/main" id="{D685B25B-23E8-0AFF-A312-3B918A33FDB5}"/>
+              </a:ext>
+            </a:extLst>
+          </p:cNvPr>
+          <p:cNvSpPr/>
+          <p:nvPr/>
+        </p:nvSpPr>
+        <p:spPr>
+          <a:xfrm>
+            <a:off x="15832382" y="17834351"/>
+            <a:ext cx="13680266" cy="12144224"/>
+          </a:xfrm>
+          <a:prstGeom prst="roundRect">
+            <a:avLst/>
+          </a:prstGeom>
+          <a:solidFill>
+            <a:schemeClr val="bg1"/>
+          </a:solidFill>
+          <a:ln>
+            <a:noFill/>
+          </a:ln>
+        </p:spPr>
+        <p:style>
+          <a:lnRef idx="2">
+            <a:schemeClr val="accent1">
+              <a:shade val="15000"/>
+            </a:schemeClr>
+          </a:lnRef>
+          <a:fillRef idx="1">
+            <a:schemeClr val="accent1"/>
+          </a:fillRef>
+          <a:effectRef idx="0">
+            <a:schemeClr val="accent1"/>
+          </a:effectRef>
+          <a:fontRef idx="minor">
+            <a:schemeClr val="lt1"/>
+          </a:fontRef>
+        </p:style>
+        <p:txBody>
+          <a:bodyPr rtlCol="0" anchor="ctr"/>
+          <a:lstStyle/>
+          <a:p>
+            <a:pPr algn="ctr"/>
+            <a:endParaRPr lang="en-MY"/>
+          </a:p>
+        </p:txBody>
+      </p:sp>
+      <p:pic>
+        <p:nvPicPr>
+          <p:cNvPr id="13" name="Picture 12">
+            <a:extLst>
+              <a:ext uri="{FF2B5EF4-FFF2-40B4-BE49-F238E27FC236}">
+                <a16:creationId xmlns:a16="http://schemas.microsoft.com/office/drawing/2014/main" id="{F3285674-42DB-3164-9B85-05E83345DD23}"/>
+              </a:ext>
+            </a:extLst>
+          </p:cNvPr>
+          <p:cNvPicPr>
+            <a:picLocks noChangeAspect="1"/>
+          </p:cNvPicPr>
+          <p:nvPr/>
+        </p:nvPicPr>
+        <p:blipFill>
+          <a:blip r:embed="rId7">
+            <a:extLst>
+              <a:ext uri="{28A0092B-C50C-407E-A947-70E740481C1C}">
+                <a14:useLocalDpi xmlns:a14="http://schemas.microsoft.com/office/drawing/2010/main" val="0"/>
+              </a:ext>
+            </a:extLst>
+          </a:blip>
+          <a:stretch>
+            <a:fillRect/>
+          </a:stretch>
+        </p:blipFill>
+        <p:spPr>
+          <a:xfrm>
+            <a:off x="16282785" y="18648997"/>
+            <a:ext cx="12779459" cy="9858440"/>
+          </a:xfrm>
+          <a:prstGeom prst="rect">
+            <a:avLst/>
+          </a:prstGeom>
+        </p:spPr>
+      </p:pic>
+    </p:spTree>
+    <p:extLst>
+      <p:ext uri="{BB962C8B-B14F-4D97-AF65-F5344CB8AC3E}">
+        <p14:creationId xmlns:p14="http://schemas.microsoft.com/office/powerpoint/2010/main" val="617834201"/>
+      </p:ext>
+    </p:extLst>
+  </p:cSld>
+  <p:clrMapOvr>
+    <a:masterClrMapping/>
+  </p:clrMapOvr>
+</p:sld>
+</file>
+
+<file path=ppt/slides/slide4.xml><?xml version="1.0" encoding="utf-8"?>
+<p:sld xmlns:a="http://schemas.openxmlformats.org/drawingml/2006/main" xmlns:r="http://schemas.openxmlformats.org/officeDocument/2006/relationships" xmlns:p="http://schemas.openxmlformats.org/presentationml/2006/main" showMasterSp="0">
+  <p:cSld>
+    <p:bg>
+      <p:bgPr>
+        <a:blipFill dpi="0" rotWithShape="1">
+          <a:blip r:embed="rId3">
+            <a:alphaModFix amt="40000"/>
+            <a:lum/>
+          </a:blip>
+          <a:srcRect/>
+          <a:stretch>
+            <a:fillRect l="-50000" r="-50000"/>
+          </a:stretch>
+        </a:blipFill>
+        <a:effectLst/>
+      </p:bgPr>
+    </p:bg>
+    <p:spTree>
+      <p:nvGrpSpPr>
+        <p:cNvPr id="1" name=""/>
+        <p:cNvGrpSpPr/>
+        <p:nvPr/>
+      </p:nvGrpSpPr>
+      <p:grpSpPr>
+        <a:xfrm>
+          <a:off x="0" y="0"/>
+          <a:ext cx="0" cy="0"/>
+          <a:chOff x="0" y="0"/>
+          <a:chExt cx="0" cy="0"/>
+        </a:xfrm>
+      </p:grpSpPr>
+      <p:sp>
+        <p:nvSpPr>
+          <p:cNvPr id="46" name="Rectangle: Rounded Corners 45">
+            <a:extLst>
+              <a:ext uri="{FF2B5EF4-FFF2-40B4-BE49-F238E27FC236}">
+                <a16:creationId xmlns:a16="http://schemas.microsoft.com/office/drawing/2014/main" id="{8CA1AF2F-7D28-452A-40FC-31815356C6F6}"/>
+              </a:ext>
+            </a:extLst>
+          </p:cNvPr>
+          <p:cNvSpPr/>
+          <p:nvPr/>
+        </p:nvSpPr>
+        <p:spPr>
+          <a:xfrm>
+            <a:off x="7291754" y="3294184"/>
+            <a:ext cx="15755814" cy="12190162"/>
+          </a:xfrm>
+          <a:prstGeom prst="roundRect">
+            <a:avLst/>
+          </a:prstGeom>
+          <a:solidFill>
+            <a:schemeClr val="bg1"/>
+          </a:solidFill>
+          <a:ln>
+            <a:noFill/>
+          </a:ln>
+        </p:spPr>
+        <p:style>
+          <a:lnRef idx="2">
+            <a:schemeClr val="accent1">
+              <a:shade val="15000"/>
+            </a:schemeClr>
+          </a:lnRef>
+          <a:fillRef idx="1">
+            <a:schemeClr val="accent1"/>
+          </a:fillRef>
+          <a:effectRef idx="0">
+            <a:schemeClr val="accent1"/>
+          </a:effectRef>
+          <a:fontRef idx="minor">
+            <a:schemeClr val="lt1"/>
+          </a:fontRef>
+        </p:style>
+        <p:txBody>
+          <a:bodyPr rtlCol="0" anchor="ctr"/>
+          <a:lstStyle/>
+          <a:p>
+            <a:pPr algn="ctr"/>
+            <a:endParaRPr lang="en-MY"/>
+          </a:p>
+        </p:txBody>
+      </p:sp>
+      <p:sp>
+        <p:nvSpPr>
+          <p:cNvPr id="58" name="TextBox 57">
+            <a:extLst>
+              <a:ext uri="{FF2B5EF4-FFF2-40B4-BE49-F238E27FC236}">
+                <a16:creationId xmlns:a16="http://schemas.microsoft.com/office/drawing/2014/main" id="{68AD2F2E-1DF3-FE12-A288-90276DF6DFB4}"/>
+              </a:ext>
+            </a:extLst>
+          </p:cNvPr>
+          <p:cNvSpPr txBox="1"/>
+          <p:nvPr/>
+        </p:nvSpPr>
+        <p:spPr>
+          <a:xfrm>
+            <a:off x="1486483" y="1294218"/>
+            <a:ext cx="24319437" cy="954107"/>
+          </a:xfrm>
+          <a:prstGeom prst="rect">
+            <a:avLst/>
+          </a:prstGeom>
+          <a:noFill/>
+        </p:spPr>
+        <p:txBody>
+          <a:bodyPr wrap="square" rtlCol="0">
+            <a:spAutoFit/>
+          </a:bodyPr>
+          <a:lstStyle/>
+          <a:p>
+            <a:r>
+              <a:rPr lang="en-US" sz="5600" b="1" dirty="0">
+                <a:latin typeface="Verdana" panose="020B0604030504040204" pitchFamily="34" charset="0"/>
+                <a:ea typeface="Verdana" panose="020B0604030504040204" pitchFamily="34" charset="0"/>
+                <a:cs typeface="Aharoni" panose="02010803020104030203" pitchFamily="2" charset="-79"/>
+              </a:rPr>
+              <a:t>Malaysia’s Blood Donation Retention Trends (2012 – 2024)</a:t>
+            </a:r>
+            <a:endParaRPr lang="en-MY" sz="5600" b="1" dirty="0">
+              <a:latin typeface="Verdana" panose="020B0604030504040204" pitchFamily="34" charset="0"/>
+              <a:ea typeface="Verdana" panose="020B0604030504040204" pitchFamily="34" charset="0"/>
+              <a:cs typeface="Aharoni" panose="02010803020104030203" pitchFamily="2" charset="-79"/>
+            </a:endParaRPr>
+          </a:p>
+        </p:txBody>
+      </p:sp>
+      <p:pic>
+        <p:nvPicPr>
+          <p:cNvPr id="50" name="Picture 49">
+            <a:extLst>
+              <a:ext uri="{FF2B5EF4-FFF2-40B4-BE49-F238E27FC236}">
+                <a16:creationId xmlns:a16="http://schemas.microsoft.com/office/drawing/2014/main" id="{7D39F7BD-CBE9-9D05-B8BC-9A644A533803}"/>
+              </a:ext>
+            </a:extLst>
+          </p:cNvPr>
+          <p:cNvPicPr>
+            <a:picLocks noChangeAspect="1"/>
+          </p:cNvPicPr>
+          <p:nvPr/>
+        </p:nvPicPr>
+        <p:blipFill>
+          <a:blip r:embed="rId4">
+            <a:clrChange>
+              <a:clrFrom>
+                <a:srgbClr val="FFFFFF"/>
+              </a:clrFrom>
+              <a:clrTo>
+                <a:srgbClr val="FFFFFF">
+                  <a:alpha val="0"/>
+                </a:srgbClr>
+              </a:clrTo>
+            </a:clrChange>
+            <a:extLst>
+              <a:ext uri="{28A0092B-C50C-407E-A947-70E740481C1C}">
+                <a14:useLocalDpi xmlns:a14="http://schemas.microsoft.com/office/drawing/2010/main" val="0"/>
+              </a:ext>
+            </a:extLst>
+          </a:blip>
+          <a:stretch>
+            <a:fillRect/>
+          </a:stretch>
+        </p:blipFill>
+        <p:spPr>
+          <a:xfrm>
+            <a:off x="25805921" y="538032"/>
+            <a:ext cx="3142244" cy="3142244"/>
+          </a:xfrm>
+          <a:prstGeom prst="rect">
+            <a:avLst/>
+          </a:prstGeom>
+        </p:spPr>
+      </p:pic>
+      <p:sp>
+        <p:nvSpPr>
+          <p:cNvPr id="4" name="Rectangle: Rounded Corners 3">
+            <a:extLst>
+              <a:ext uri="{FF2B5EF4-FFF2-40B4-BE49-F238E27FC236}">
+                <a16:creationId xmlns:a16="http://schemas.microsoft.com/office/drawing/2014/main" id="{FD2A00D2-4012-F3C5-E946-6B865AC0275D}"/>
+              </a:ext>
+            </a:extLst>
+          </p:cNvPr>
+          <p:cNvSpPr/>
+          <p:nvPr/>
+        </p:nvSpPr>
+        <p:spPr>
+          <a:xfrm>
+            <a:off x="762566" y="17737015"/>
+            <a:ext cx="13680266" cy="12144224"/>
+          </a:xfrm>
+          <a:prstGeom prst="roundRect">
+            <a:avLst/>
+          </a:prstGeom>
+          <a:solidFill>
+            <a:schemeClr val="bg1"/>
+          </a:solidFill>
+          <a:ln>
+            <a:noFill/>
+          </a:ln>
+        </p:spPr>
+        <p:style>
+          <a:lnRef idx="2">
+            <a:schemeClr val="accent1">
+              <a:shade val="15000"/>
+            </a:schemeClr>
+          </a:lnRef>
+          <a:fillRef idx="1">
+            <a:schemeClr val="accent1"/>
+          </a:fillRef>
+          <a:effectRef idx="0">
+            <a:schemeClr val="accent1"/>
+          </a:effectRef>
+          <a:fontRef idx="minor">
+            <a:schemeClr val="lt1"/>
+          </a:fontRef>
+        </p:style>
+        <p:txBody>
+          <a:bodyPr rtlCol="0" anchor="ctr"/>
+          <a:lstStyle/>
+          <a:p>
+            <a:pPr algn="ctr"/>
+            <a:endParaRPr lang="en-MY"/>
+          </a:p>
+        </p:txBody>
+      </p:sp>
+      <p:sp>
+        <p:nvSpPr>
+          <p:cNvPr id="10" name="Rectangle: Rounded Corners 9">
+            <a:extLst>
+              <a:ext uri="{FF2B5EF4-FFF2-40B4-BE49-F238E27FC236}">
+                <a16:creationId xmlns:a16="http://schemas.microsoft.com/office/drawing/2014/main" id="{D685B25B-23E8-0AFF-A312-3B918A33FDB5}"/>
+              </a:ext>
+            </a:extLst>
+          </p:cNvPr>
+          <p:cNvSpPr/>
+          <p:nvPr/>
+        </p:nvSpPr>
+        <p:spPr>
+          <a:xfrm>
+            <a:off x="15832382" y="17834351"/>
+            <a:ext cx="13680266" cy="12144224"/>
+          </a:xfrm>
+          <a:prstGeom prst="roundRect">
+            <a:avLst/>
+          </a:prstGeom>
+          <a:solidFill>
+            <a:schemeClr val="bg1"/>
+          </a:solidFill>
+          <a:ln>
+            <a:noFill/>
+          </a:ln>
+        </p:spPr>
+        <p:style>
+          <a:lnRef idx="2">
+            <a:schemeClr val="accent1">
+              <a:shade val="15000"/>
+            </a:schemeClr>
+          </a:lnRef>
+          <a:fillRef idx="1">
+            <a:schemeClr val="accent1"/>
+          </a:fillRef>
+          <a:effectRef idx="0">
+            <a:schemeClr val="accent1"/>
+          </a:effectRef>
+          <a:fontRef idx="minor">
+            <a:schemeClr val="lt1"/>
+          </a:fontRef>
+        </p:style>
+        <p:txBody>
+          <a:bodyPr rtlCol="0" anchor="ctr"/>
+          <a:lstStyle/>
+          <a:p>
+            <a:pPr algn="ctr"/>
+            <a:endParaRPr lang="en-MY"/>
+          </a:p>
+        </p:txBody>
+      </p:sp>
+      <p:sp>
+        <p:nvSpPr>
+          <p:cNvPr id="23" name="Rectangle: Rounded Corners 22">
+            <a:extLst>
+              <a:ext uri="{FF2B5EF4-FFF2-40B4-BE49-F238E27FC236}">
+                <a16:creationId xmlns:a16="http://schemas.microsoft.com/office/drawing/2014/main" id="{3369D79F-D6BB-54D9-D420-7352C5F5CA67}"/>
+              </a:ext>
+            </a:extLst>
+          </p:cNvPr>
+          <p:cNvSpPr/>
+          <p:nvPr/>
+        </p:nvSpPr>
+        <p:spPr>
+          <a:xfrm>
+            <a:off x="764255" y="3977640"/>
+            <a:ext cx="5712745" cy="2834640"/>
+          </a:xfrm>
+          <a:prstGeom prst="roundRect">
+            <a:avLst/>
+          </a:prstGeom>
+          <a:gradFill>
+            <a:gsLst>
+              <a:gs pos="0">
+                <a:srgbClr val="000428"/>
+              </a:gs>
+              <a:gs pos="100000">
+                <a:srgbClr val="004E92"/>
+              </a:gs>
+            </a:gsLst>
+            <a:lin ang="5400000" scaled="0"/>
+          </a:gradFill>
+          <a:ln>
+            <a:noFill/>
+          </a:ln>
+        </p:spPr>
+        <p:style>
+          <a:lnRef idx="2">
+            <a:schemeClr val="accent1">
+              <a:shade val="15000"/>
+            </a:schemeClr>
+          </a:lnRef>
+          <a:fillRef idx="1">
+            <a:schemeClr val="accent1"/>
+          </a:fillRef>
+          <a:effectRef idx="0">
+            <a:schemeClr val="accent1"/>
+          </a:effectRef>
+          <a:fontRef idx="minor">
+            <a:schemeClr val="lt1"/>
+          </a:fontRef>
+        </p:style>
+        <p:txBody>
+          <a:bodyPr rtlCol="0" anchor="ctr"/>
+          <a:lstStyle/>
+          <a:p>
+            <a:pPr algn="ctr"/>
+            <a:endParaRPr lang="en-MY" dirty="0"/>
+          </a:p>
+        </p:txBody>
+      </p:sp>
+      <p:sp>
+        <p:nvSpPr>
+          <p:cNvPr id="11" name="TextBox 10">
+            <a:extLst>
+              <a:ext uri="{FF2B5EF4-FFF2-40B4-BE49-F238E27FC236}">
+                <a16:creationId xmlns:a16="http://schemas.microsoft.com/office/drawing/2014/main" id="{9DF5805B-38A6-062A-F6F0-F4C3608E3A9F}"/>
+              </a:ext>
+            </a:extLst>
+          </p:cNvPr>
+          <p:cNvSpPr txBox="1"/>
+          <p:nvPr/>
+        </p:nvSpPr>
+        <p:spPr>
+          <a:xfrm>
+            <a:off x="771696" y="4452623"/>
+            <a:ext cx="5699641" cy="584775"/>
+          </a:xfrm>
+          <a:prstGeom prst="rect">
+            <a:avLst/>
+          </a:prstGeom>
+          <a:noFill/>
+        </p:spPr>
+        <p:txBody>
+          <a:bodyPr wrap="square" rtlCol="0">
+            <a:spAutoFit/>
+          </a:bodyPr>
+          <a:lstStyle/>
+          <a:p>
+            <a:pPr algn="ctr"/>
+            <a:r>
+              <a:rPr lang="en-US" sz="3200" b="1" dirty="0">
+                <a:solidFill>
+                  <a:schemeClr val="bg1"/>
+                </a:solidFill>
+                <a:latin typeface="Verdana" panose="020B0604030504040204" pitchFamily="34" charset="0"/>
+                <a:ea typeface="Verdana" panose="020B0604030504040204" pitchFamily="34" charset="0"/>
+              </a:rPr>
+              <a:t>Total Donations</a:t>
+            </a:r>
+            <a:endParaRPr lang="en-MY" sz="3200" b="1" dirty="0">
+              <a:solidFill>
+                <a:schemeClr val="bg1"/>
+              </a:solidFill>
+              <a:latin typeface="Verdana" panose="020B0604030504040204" pitchFamily="34" charset="0"/>
+              <a:ea typeface="Verdana" panose="020B0604030504040204" pitchFamily="34" charset="0"/>
+            </a:endParaRPr>
+          </a:p>
+        </p:txBody>
+      </p:sp>
+      <p:sp>
+        <p:nvSpPr>
+          <p:cNvPr id="12" name="TextBox 11">
+            <a:extLst>
+              <a:ext uri="{FF2B5EF4-FFF2-40B4-BE49-F238E27FC236}">
+                <a16:creationId xmlns:a16="http://schemas.microsoft.com/office/drawing/2014/main" id="{C4114AAC-9140-FFA0-BC7D-7AAB7E875EA5}"/>
+              </a:ext>
+            </a:extLst>
+          </p:cNvPr>
+          <p:cNvSpPr txBox="1"/>
+          <p:nvPr/>
+        </p:nvSpPr>
+        <p:spPr>
+          <a:xfrm>
+            <a:off x="762566" y="5405923"/>
+            <a:ext cx="5685738" cy="830997"/>
+          </a:xfrm>
+          <a:prstGeom prst="rect">
+            <a:avLst/>
+          </a:prstGeom>
+          <a:noFill/>
+        </p:spPr>
+        <p:txBody>
+          <a:bodyPr wrap="square" rtlCol="0">
+            <a:spAutoFit/>
+          </a:bodyPr>
+          <a:lstStyle/>
+          <a:p>
+            <a:pPr algn="ctr"/>
+            <a:r>
+              <a:rPr sz="5600" b="1">
+                <a:solidFill>
+                  <a:srgbClr val="FFFFFF"/>
+                </a:solidFill>
+                <a:latin typeface="Verdana"/>
+              </a:rPr>
+              <a:t>6,254,937</a:t>
+            </a:r>
+          </a:p>
+        </p:txBody>
+      </p:sp>
+      <p:sp>
+        <p:nvSpPr>
+          <p:cNvPr id="14" name="Rectangle: Rounded Corners 13">
+            <a:extLst>
+              <a:ext uri="{FF2B5EF4-FFF2-40B4-BE49-F238E27FC236}">
+                <a16:creationId xmlns:a16="http://schemas.microsoft.com/office/drawing/2014/main" id="{564E3002-8B03-B38F-7F20-FF038AAAF79E}"/>
+              </a:ext>
+            </a:extLst>
+          </p:cNvPr>
+          <p:cNvSpPr/>
+          <p:nvPr/>
+        </p:nvSpPr>
+        <p:spPr>
+          <a:xfrm>
+            <a:off x="23819468" y="3977640"/>
+            <a:ext cx="5712745" cy="2834640"/>
+          </a:xfrm>
+          <a:prstGeom prst="roundRect">
+            <a:avLst/>
+          </a:prstGeom>
+          <a:gradFill>
+            <a:gsLst>
+              <a:gs pos="0">
+                <a:srgbClr val="000428"/>
+              </a:gs>
+              <a:gs pos="100000">
+                <a:srgbClr val="004E92"/>
+              </a:gs>
+            </a:gsLst>
+            <a:lin ang="5400000" scaled="0"/>
+          </a:gradFill>
+          <a:ln>
+            <a:noFill/>
+          </a:ln>
+        </p:spPr>
+        <p:style>
+          <a:lnRef idx="2">
+            <a:schemeClr val="accent1">
+              <a:shade val="15000"/>
+            </a:schemeClr>
+          </a:lnRef>
+          <a:fillRef idx="1">
+            <a:schemeClr val="accent1"/>
+          </a:fillRef>
+          <a:effectRef idx="0">
+            <a:schemeClr val="accent1"/>
+          </a:effectRef>
+          <a:fontRef idx="minor">
+            <a:schemeClr val="lt1"/>
+          </a:fontRef>
+        </p:style>
+        <p:txBody>
+          <a:bodyPr rtlCol="0" anchor="ctr"/>
+          <a:lstStyle/>
+          <a:p>
+            <a:pPr algn="ctr"/>
+            <a:endParaRPr lang="en-MY" dirty="0"/>
+          </a:p>
+        </p:txBody>
+      </p:sp>
+      <p:sp>
+        <p:nvSpPr>
+          <p:cNvPr id="15" name="TextBox 14">
+            <a:extLst>
+              <a:ext uri="{FF2B5EF4-FFF2-40B4-BE49-F238E27FC236}">
+                <a16:creationId xmlns:a16="http://schemas.microsoft.com/office/drawing/2014/main" id="{90F25535-3104-6A08-483D-3A9ADE6EDA86}"/>
+              </a:ext>
+            </a:extLst>
+          </p:cNvPr>
+          <p:cNvSpPr txBox="1"/>
+          <p:nvPr/>
+        </p:nvSpPr>
+        <p:spPr>
+          <a:xfrm>
+            <a:off x="23826909" y="4452623"/>
+            <a:ext cx="5699641" cy="584775"/>
+          </a:xfrm>
+          <a:prstGeom prst="rect">
+            <a:avLst/>
+          </a:prstGeom>
+          <a:noFill/>
+        </p:spPr>
+        <p:txBody>
+          <a:bodyPr wrap="square" rtlCol="0">
+            <a:spAutoFit/>
+          </a:bodyPr>
+          <a:lstStyle/>
+          <a:p>
+            <a:pPr algn="ctr"/>
+            <a:r>
+              <a:rPr lang="en-US" sz="3200" b="1" dirty="0">
+                <a:solidFill>
+                  <a:schemeClr val="bg1"/>
+                </a:solidFill>
+                <a:latin typeface="Verdana" panose="020B0604030504040204" pitchFamily="34" charset="0"/>
+                <a:ea typeface="Verdana" panose="020B0604030504040204" pitchFamily="34" charset="0"/>
+              </a:rPr>
+              <a:t>Total Unique Donors</a:t>
+            </a:r>
+            <a:endParaRPr lang="en-MY" sz="3200" b="1" dirty="0">
+              <a:solidFill>
+                <a:schemeClr val="bg1"/>
+              </a:solidFill>
+              <a:latin typeface="Verdana" panose="020B0604030504040204" pitchFamily="34" charset="0"/>
+              <a:ea typeface="Verdana" panose="020B0604030504040204" pitchFamily="34" charset="0"/>
+            </a:endParaRPr>
+          </a:p>
+        </p:txBody>
+      </p:sp>
+      <p:sp>
+        <p:nvSpPr>
+          <p:cNvPr id="16" name="TextBox 15">
+            <a:extLst>
+              <a:ext uri="{FF2B5EF4-FFF2-40B4-BE49-F238E27FC236}">
+                <a16:creationId xmlns:a16="http://schemas.microsoft.com/office/drawing/2014/main" id="{0343ADB8-37E5-A4CE-E606-83973E9C6F22}"/>
+              </a:ext>
+            </a:extLst>
+          </p:cNvPr>
+          <p:cNvSpPr txBox="1"/>
+          <p:nvPr/>
+        </p:nvSpPr>
+        <p:spPr>
+          <a:xfrm>
+            <a:off x="23817779" y="5405923"/>
+            <a:ext cx="5685738" cy="830997"/>
+          </a:xfrm>
+          <a:prstGeom prst="rect">
+            <a:avLst/>
+          </a:prstGeom>
+          <a:noFill/>
+        </p:spPr>
+        <p:txBody>
+          <a:bodyPr wrap="square" rtlCol="0">
+            <a:spAutoFit/>
+          </a:bodyPr>
+          <a:lstStyle/>
+          <a:p>
+            <a:pPr algn="ctr"/>
+            <a:r>
+              <a:rPr sz="5600" b="1">
+                <a:solidFill>
+                  <a:srgbClr val="FFFFFF"/>
+                </a:solidFill>
+                <a:latin typeface="Verdana"/>
+              </a:rPr>
+              <a:t>2,246,893</a:t>
+            </a:r>
+          </a:p>
+        </p:txBody>
+      </p:sp>
+      <p:sp>
+        <p:nvSpPr>
+          <p:cNvPr id="17" name="TextBox 16">
+            <a:extLst>
+              <a:ext uri="{FF2B5EF4-FFF2-40B4-BE49-F238E27FC236}">
+                <a16:creationId xmlns:a16="http://schemas.microsoft.com/office/drawing/2014/main" id="{7F888A1C-7ED0-FFA0-5F03-224728521976}"/>
+              </a:ext>
+            </a:extLst>
+          </p:cNvPr>
+          <p:cNvSpPr txBox="1"/>
+          <p:nvPr/>
+        </p:nvSpPr>
+        <p:spPr>
+          <a:xfrm>
+            <a:off x="1603713" y="2448436"/>
+            <a:ext cx="5266010" cy="399981"/>
+          </a:xfrm>
+          <a:prstGeom prst="rect">
+            <a:avLst/>
+          </a:prstGeom>
+          <a:noFill/>
+        </p:spPr>
+        <p:txBody>
+          <a:bodyPr wrap="square" rtlCol="0">
+            <a:spAutoFit/>
+          </a:bodyPr>
+          <a:lstStyle/>
+          <a:p>
+            <a:pPr algn="l"/>
+            <a:r>
+              <a:rPr sz="1800" b="0">
+                <a:solidFill>
+                  <a:srgbClr val="000000"/>
+                </a:solidFill>
+                <a:latin typeface="Verdana"/>
+              </a:rPr>
+              <a:t>Data as of 2024-01-28</a:t>
+            </a:r>
+          </a:p>
+        </p:txBody>
+      </p:sp>
+      <p:pic>
+        <p:nvPicPr>
+          <p:cNvPr id="59" name="Graph 3" descr="image.png"/>
+          <p:cNvPicPr>
+            <a:picLocks noChangeAspect="1"/>
+          </p:cNvPicPr>
+          <p:nvPr/>
+        </p:nvPicPr>
+        <p:blipFill>
+          <a:blip r:embed="rId5"/>
+          <a:stretch>
+            <a:fillRect/>
+          </a:stretch>
+        </p:blipFill>
+        <p:spPr>
+          <a:xfrm>
+            <a:off x="7969020" y="3838383"/>
+            <a:ext cx="14401281" cy="11109559"/>
+          </a:xfrm>
+          <a:prstGeom prst="rect">
+            <a:avLst/>
+          </a:prstGeom>
+        </p:spPr>
+      </p:pic>
+      <p:pic>
+        <p:nvPicPr>
+          <p:cNvPr id="60" name="Graph 4" descr="image.png"/>
+          <p:cNvPicPr>
+            <a:picLocks noChangeAspect="1"/>
+          </p:cNvPicPr>
+          <p:nvPr/>
+        </p:nvPicPr>
+        <p:blipFill>
+          <a:blip r:embed="rId6"/>
+          <a:stretch>
+            <a:fillRect/>
+          </a:stretch>
+        </p:blipFill>
+        <p:spPr>
+          <a:xfrm>
+            <a:off x="1112036" y="18606312"/>
+            <a:ext cx="13060660" cy="10075367"/>
+          </a:xfrm>
+          <a:prstGeom prst="rect">
+            <a:avLst/>
+          </a:prstGeom>
+        </p:spPr>
+      </p:pic>
+      <p:pic>
+        <p:nvPicPr>
+          <p:cNvPr id="61" name="Graph 4" descr="image.png"/>
+          <p:cNvPicPr>
+            <a:picLocks noChangeAspect="1"/>
+          </p:cNvPicPr>
+          <p:nvPr/>
+        </p:nvPicPr>
+        <p:blipFill>
+          <a:blip r:embed="rId7"/>
+          <a:stretch>
+            <a:fillRect/>
+          </a:stretch>
+        </p:blipFill>
+        <p:spPr>
+          <a:xfrm>
+            <a:off x="16094355" y="18781637"/>
+            <a:ext cx="13034234" cy="10054980"/>
+          </a:xfrm>
+          <a:prstGeom prst="rect">
+            <a:avLst/>
+          </a:prstGeom>
+        </p:spPr>
+      </p:pic>
+    </p:spTree>
+    <p:extLst>
+      <p:ext uri="{BB962C8B-B14F-4D97-AF65-F5344CB8AC3E}">
+        <p14:creationId xmlns:p14="http://schemas.microsoft.com/office/powerpoint/2010/main" val="1283378059"/>
       </p:ext>
     </p:extLst>
   </p:cSld>

--- a/infographic/archive/blood_donation_2024-01-28.pptx
+++ b/infographic/archive/blood_donation_2024-01-28.pptx
@@ -9485,14 +9485,14 @@
       </p:pic>
       <p:pic>
         <p:nvPicPr>
-          <p:cNvPr id="61" name="Graph 4" descr="image.png"/>
+          <p:cNvPr id="61" name="Graph 4" descr="blood_retention_frequency_2024-01-28.png"/>
           <p:cNvPicPr>
             <a:picLocks noChangeAspect="1"/>
           </p:cNvPicPr>
           <p:nvPr/>
         </p:nvPicPr>
         <p:blipFill>
-          <a:blip r:embed="rId7"/>
+          <a:blip r:embed="rId8"/>
           <a:stretch>
             <a:fillRect/>
           </a:stretch>
